--- a/documents/analytics-service.pptx
+++ b/documents/analytics-service.pptx
@@ -250,7 +250,7 @@
           <a:p>
             <a:fld id="{0A9F5385-F934-4948-A3AA-DB68C3919D5E}" type="datetimeFigureOut">
               <a:rPr lang="en-US" smtClean="0"/>
-              <a:t>7/28/2022</a:t>
+              <a:t>10/5/22</a:t>
             </a:fld>
             <a:endParaRPr lang="en-US"/>
           </a:p>
@@ -418,7 +418,7 @@
           <a:p>
             <a:fld id="{0A9F5385-F934-4948-A3AA-DB68C3919D5E}" type="datetimeFigureOut">
               <a:rPr lang="en-US" smtClean="0"/>
-              <a:t>7/28/2022</a:t>
+              <a:t>10/5/22</a:t>
             </a:fld>
             <a:endParaRPr lang="en-US"/>
           </a:p>
@@ -596,7 +596,7 @@
           <a:p>
             <a:fld id="{0A9F5385-F934-4948-A3AA-DB68C3919D5E}" type="datetimeFigureOut">
               <a:rPr lang="en-US" smtClean="0"/>
-              <a:t>7/28/2022</a:t>
+              <a:t>10/5/22</a:t>
             </a:fld>
             <a:endParaRPr lang="en-US"/>
           </a:p>
@@ -764,7 +764,7 @@
           <a:p>
             <a:fld id="{0A9F5385-F934-4948-A3AA-DB68C3919D5E}" type="datetimeFigureOut">
               <a:rPr lang="en-US" smtClean="0"/>
-              <a:t>7/28/2022</a:t>
+              <a:t>10/5/22</a:t>
             </a:fld>
             <a:endParaRPr lang="en-US"/>
           </a:p>
@@ -1009,7 +1009,7 @@
           <a:p>
             <a:fld id="{0A9F5385-F934-4948-A3AA-DB68C3919D5E}" type="datetimeFigureOut">
               <a:rPr lang="en-US" smtClean="0"/>
-              <a:t>7/28/2022</a:t>
+              <a:t>10/5/22</a:t>
             </a:fld>
             <a:endParaRPr lang="en-US"/>
           </a:p>
@@ -1238,7 +1238,7 @@
           <a:p>
             <a:fld id="{0A9F5385-F934-4948-A3AA-DB68C3919D5E}" type="datetimeFigureOut">
               <a:rPr lang="en-US" smtClean="0"/>
-              <a:t>7/28/2022</a:t>
+              <a:t>10/5/22</a:t>
             </a:fld>
             <a:endParaRPr lang="en-US"/>
           </a:p>
@@ -1602,7 +1602,7 @@
           <a:p>
             <a:fld id="{0A9F5385-F934-4948-A3AA-DB68C3919D5E}" type="datetimeFigureOut">
               <a:rPr lang="en-US" smtClean="0"/>
-              <a:t>7/28/2022</a:t>
+              <a:t>10/5/22</a:t>
             </a:fld>
             <a:endParaRPr lang="en-US"/>
           </a:p>
@@ -1719,7 +1719,7 @@
           <a:p>
             <a:fld id="{0A9F5385-F934-4948-A3AA-DB68C3919D5E}" type="datetimeFigureOut">
               <a:rPr lang="en-US" smtClean="0"/>
-              <a:t>7/28/2022</a:t>
+              <a:t>10/5/22</a:t>
             </a:fld>
             <a:endParaRPr lang="en-US"/>
           </a:p>
@@ -1814,7 +1814,7 @@
           <a:p>
             <a:fld id="{0A9F5385-F934-4948-A3AA-DB68C3919D5E}" type="datetimeFigureOut">
               <a:rPr lang="en-US" smtClean="0"/>
-              <a:t>7/28/2022</a:t>
+              <a:t>10/5/22</a:t>
             </a:fld>
             <a:endParaRPr lang="en-US"/>
           </a:p>
@@ -2089,7 +2089,7 @@
           <a:p>
             <a:fld id="{0A9F5385-F934-4948-A3AA-DB68C3919D5E}" type="datetimeFigureOut">
               <a:rPr lang="en-US" smtClean="0"/>
-              <a:t>7/28/2022</a:t>
+              <a:t>10/5/22</a:t>
             </a:fld>
             <a:endParaRPr lang="en-US"/>
           </a:p>
@@ -2341,7 +2341,7 @@
           <a:p>
             <a:fld id="{0A9F5385-F934-4948-A3AA-DB68C3919D5E}" type="datetimeFigureOut">
               <a:rPr lang="en-US" smtClean="0"/>
-              <a:t>7/28/2022</a:t>
+              <a:t>10/5/22</a:t>
             </a:fld>
             <a:endParaRPr lang="en-US"/>
           </a:p>
@@ -2552,7 +2552,7 @@
           <a:p>
             <a:fld id="{0A9F5385-F934-4948-A3AA-DB68C3919D5E}" type="datetimeFigureOut">
               <a:rPr lang="en-US" smtClean="0"/>
-              <a:t>7/28/2022</a:t>
+              <a:t>10/5/22</a:t>
             </a:fld>
             <a:endParaRPr lang="en-US"/>
           </a:p>
@@ -3000,9 +3000,18 @@
                 </a:solidFill>
                 <a:latin typeface="ITC Franklin Gothic Std Demi Condensed"/>
               </a:rPr>
-              <a:t>Hybrid Multi-Cloud Analytics Services Framework</a:t>
-            </a:r>
-            <a:endParaRPr lang="en-US" sz="4400">
+              <a:t>Hybrid </a:t>
+            </a:r>
+            <a:r>
+              <a:rPr lang="en-US" sz="4400" b="1" dirty="0">
+                <a:solidFill>
+                  <a:schemeClr val="bg1"/>
+                </a:solidFill>
+                <a:latin typeface="ITC Franklin Gothic Std Demi Condensed"/>
+              </a:rPr>
+              <a:t>Multi-Cloud Analytics Services Framework</a:t>
+            </a:r>
+            <a:endParaRPr lang="en-US" sz="4400" dirty="0">
               <a:solidFill>
                 <a:schemeClr val="bg1"/>
               </a:solidFill>
@@ -3058,8 +3067,8 @@
         </p:nvSpPr>
         <p:spPr>
           <a:xfrm>
-            <a:off x="1279074" y="3498448"/>
-            <a:ext cx="8645976" cy="738664"/>
+            <a:off x="1365812" y="3498448"/>
+            <a:ext cx="15023939" cy="738664"/>
           </a:xfrm>
           <a:prstGeom prst="rect">
             <a:avLst/>
@@ -3073,69 +3082,78 @@
           <a:lstStyle/>
           <a:p>
             <a:r>
+              <a:rPr lang="en-US" sz="2100" b="1" dirty="0">
+                <a:ea typeface="+mn-lt"/>
+                <a:cs typeface="+mn-lt"/>
+              </a:rPr>
+              <a:t>Gregor von Laszewski</a:t>
+            </a:r>
+            <a:r>
+              <a:rPr lang="en-US" sz="2100" b="1" baseline="30000" dirty="0">
+                <a:ea typeface="+mn-lt"/>
+                <a:cs typeface="+mn-lt"/>
+              </a:rPr>
+              <a:t>1</a:t>
+            </a:r>
+            <a:r>
+              <a:rPr lang="en-US" sz="2100" b="1" dirty="0">
+                <a:ea typeface="+mn-lt"/>
+                <a:cs typeface="+mn-lt"/>
+              </a:rPr>
+              <a:t>, JP Fleischer</a:t>
+            </a:r>
+            <a:r>
+              <a:rPr lang="en-US" sz="2100" b="1" baseline="30000" dirty="0">
+                <a:ea typeface="+mn-lt"/>
+                <a:cs typeface="+mn-lt"/>
+              </a:rPr>
+              <a:t>1   </a:t>
+            </a:r>
+            <a:r>
+              <a:rPr lang="en-US" sz="1600" b="1" baseline="30000" dirty="0">
+                <a:ea typeface="+mn-lt"/>
+                <a:cs typeface="+mn-lt"/>
+              </a:rPr>
+              <a:t>  </a:t>
+            </a:r>
+            <a:r>
+              <a:rPr lang="en-US" sz="1600" dirty="0">
+                <a:ea typeface="+mn-lt"/>
+                <a:cs typeface="+mn-lt"/>
+              </a:rPr>
+              <a:t>with contributions to the pre-alpha version from </a:t>
+            </a:r>
+            <a:r>
+              <a:rPr lang="en-US" sz="1600" i="1" dirty="0">
+                <a:ea typeface="+mn-lt"/>
+                <a:cs typeface="+mn-lt"/>
+              </a:rPr>
+              <a:t>Jackson </a:t>
+            </a:r>
+            <a:r>
+              <a:rPr lang="en-US" sz="1600" i="1" dirty="0" err="1">
+                <a:ea typeface="+mn-lt"/>
+                <a:cs typeface="+mn-lt"/>
+              </a:rPr>
+              <a:t>Miskill</a:t>
+            </a:r>
+            <a:r>
+              <a:rPr lang="en-US" sz="1600" i="1" dirty="0">
+                <a:ea typeface="+mn-lt"/>
+                <a:cs typeface="+mn-lt"/>
+              </a:rPr>
+              <a:t>, Alison Lu, Alex Beck</a:t>
+            </a:r>
+          </a:p>
+          <a:p>
+            <a:r>
               <a:rPr lang="en-US" sz="2100" dirty="0">
                 <a:ea typeface="+mn-lt"/>
                 <a:cs typeface="+mn-lt"/>
               </a:rPr>
-              <a:t>Alison Lu, Jackson </a:t>
-            </a:r>
-            <a:r>
-              <a:rPr lang="en-US" sz="2100" dirty="0" err="1">
-                <a:ea typeface="+mn-lt"/>
-                <a:cs typeface="+mn-lt"/>
-              </a:rPr>
-              <a:t>Miskill</a:t>
-            </a:r>
-            <a:r>
-              <a:rPr lang="en-US" sz="2100" dirty="0">
-                <a:ea typeface="+mn-lt"/>
-                <a:cs typeface="+mn-lt"/>
-              </a:rPr>
-              <a:t>, Alex Beck, JP Fleischer, Gregor von Laszewski</a:t>
-            </a:r>
-            <a:endParaRPr lang="en-US" dirty="0"/>
-          </a:p>
-          <a:p>
-            <a:endParaRPr lang="en-US" sz="2100" dirty="0">
-              <a:solidFill>
-                <a:srgbClr val="20304B"/>
-              </a:solidFill>
-              <a:latin typeface="ITC Franklin Gothic Std Book"/>
-              <a:cs typeface="Calibri"/>
-            </a:endParaRPr>
-          </a:p>
-        </p:txBody>
-      </p:sp>
-      <p:sp>
-        <p:nvSpPr>
-          <p:cNvPr id="18" name="TextBox 17"/>
-          <p:cNvSpPr txBox="1"/>
-          <p:nvPr/>
-        </p:nvSpPr>
-        <p:spPr>
-          <a:xfrm>
-            <a:off x="1251039" y="3828798"/>
-            <a:ext cx="13377303" cy="415498"/>
-          </a:xfrm>
-          <a:prstGeom prst="rect">
-            <a:avLst/>
-          </a:prstGeom>
-          <a:noFill/>
-        </p:spPr>
-        <p:txBody>
-          <a:bodyPr wrap="square" lIns="91440" tIns="45720" rIns="91440" bIns="45720" rtlCol="0" anchor="t">
-            <a:spAutoFit/>
-          </a:bodyPr>
-          <a:lstStyle/>
-          <a:p>
-            <a:r>
-              <a:rPr lang="en-US" sz="2100">
-                <a:ea typeface="+mn-lt"/>
-                <a:cs typeface="+mn-lt"/>
-              </a:rPr>
               <a:t>University of Virginia Biocomplexity Institute - Network System Sciences and Advanced Computing Division</a:t>
             </a:r>
-            <a:endParaRPr lang="en-US"/>
+            <a:endParaRPr lang="en-US" sz="2400" dirty="0"/>
           </a:p>
         </p:txBody>
       </p:sp>
@@ -3209,7 +3227,7 @@
         </p:nvSpPr>
         <p:spPr>
           <a:xfrm>
-            <a:off x="181946" y="25738234"/>
+            <a:off x="253574" y="26376702"/>
             <a:ext cx="10353491" cy="2123658"/>
           </a:xfrm>
           <a:prstGeom prst="rect">
@@ -3224,7 +3242,7 @@
           <a:lstStyle/>
           <a:p>
             <a:r>
-              <a:rPr lang="en-US" sz="2400" b="1" err="1">
+              <a:rPr lang="en-US" sz="2400" b="1" dirty="0" err="1">
                 <a:solidFill>
                   <a:srgbClr val="20304B"/>
                 </a:solidFill>
@@ -3235,7 +3253,7 @@
               <a:t>Cloudmesh</a:t>
             </a:r>
             <a:r>
-              <a:rPr lang="en-US" sz="2400" b="1">
+              <a:rPr lang="en-US" sz="2400" b="1" dirty="0">
                 <a:solidFill>
                   <a:srgbClr val="20304B"/>
                 </a:solidFill>
@@ -3243,11 +3261,11 @@
                 <a:ea typeface="ITC Franklin Gothic Std Demi" charset="0"/>
                 <a:cs typeface="ITC Franklin Gothic Std Demi" charset="0"/>
               </a:rPr>
-              <a:t>: Code Used / Developed</a:t>
-            </a:r>
-          </a:p>
-          <a:p>
-            <a:endParaRPr lang="en-US" sz="1800" b="1">
+              <a:t> References</a:t>
+            </a:r>
+          </a:p>
+          <a:p>
+            <a:endParaRPr lang="en-US" sz="1800" b="1" dirty="0">
               <a:solidFill>
                 <a:srgbClr val="20304B"/>
               </a:solidFill>
@@ -3262,34 +3280,20 @@
               <a:buChar char="•"/>
             </a:pPr>
             <a:r>
-              <a:rPr lang="en-US" sz="1800" err="1">
+              <a:rPr lang="en-US" sz="1800" dirty="0">
                 <a:latin typeface="Franklin Gothic Book" panose="020B0503020102020204" pitchFamily="34" charset="0"/>
                 <a:hlinkClick r:id="rId3"/>
               </a:rPr>
-              <a:t>cloudmesh</a:t>
-            </a:r>
-            <a:r>
-              <a:rPr lang="en-US" sz="1800">
+              <a:t>cloudmesh/cloudmesh-cc</a:t>
+            </a:r>
+            <a:r>
+              <a:rPr lang="en-US" sz="1800" dirty="0">
                 <a:latin typeface="Franklin Gothic Book" panose="020B0503020102020204" pitchFamily="34" charset="0"/>
                 <a:hlinkClick r:id="rId3"/>
               </a:rPr>
-              <a:t>/</a:t>
-            </a:r>
-            <a:r>
-              <a:rPr lang="en-US" sz="1800" err="1">
-                <a:latin typeface="Franklin Gothic Book" panose="020B0503020102020204" pitchFamily="34" charset="0"/>
-                <a:hlinkClick r:id="rId3"/>
-              </a:rPr>
-              <a:t>cloudmesh</a:t>
-            </a:r>
-            <a:r>
-              <a:rPr lang="en-US" sz="1800">
-                <a:latin typeface="Franklin Gothic Book" panose="020B0503020102020204" pitchFamily="34" charset="0"/>
-                <a:hlinkClick r:id="rId3"/>
-              </a:rPr>
-              <a:t>-cc (github.com)</a:t>
-            </a:r>
-            <a:endParaRPr lang="en-US" sz="1800" b="1">
+              <a:t> (github.com)</a:t>
+            </a:r>
+            <a:endParaRPr lang="en-US" sz="1800" b="1" dirty="0">
               <a:solidFill>
                 <a:srgbClr val="20304B"/>
               </a:solidFill>
@@ -3304,48 +3308,13 @@
               <a:buChar char="•"/>
             </a:pPr>
             <a:r>
-              <a:rPr lang="en-US" sz="1800" err="1">
+              <a:rPr lang="en-US" sz="1800" dirty="0">
                 <a:latin typeface="Franklin Gothic Book" panose="020B0503020102020204" pitchFamily="34" charset="0"/>
                 <a:hlinkClick r:id="rId4"/>
               </a:rPr>
-              <a:t>cloudmesh</a:t>
-            </a:r>
-            <a:r>
-              <a:rPr lang="en-US" sz="1800">
-                <a:latin typeface="Franklin Gothic Book" panose="020B0503020102020204" pitchFamily="34" charset="0"/>
-                <a:hlinkClick r:id="rId4"/>
-              </a:rPr>
-              <a:t>/</a:t>
-            </a:r>
-            <a:r>
-              <a:rPr lang="en-US" sz="1800" err="1">
-                <a:latin typeface="Franklin Gothic Book" panose="020B0503020102020204" pitchFamily="34" charset="0"/>
-                <a:hlinkClick r:id="rId4"/>
-              </a:rPr>
-              <a:t>cloudmesh</a:t>
-            </a:r>
-            <a:r>
-              <a:rPr lang="en-US" sz="1800">
-                <a:latin typeface="Franklin Gothic Book" panose="020B0503020102020204" pitchFamily="34" charset="0"/>
-                <a:hlinkClick r:id="rId4"/>
-              </a:rPr>
-              <a:t>-common: Common methods that make programming in python easier and used in </a:t>
-            </a:r>
-            <a:r>
-              <a:rPr lang="en-US" sz="1800" err="1">
-                <a:latin typeface="Franklin Gothic Book" panose="020B0503020102020204" pitchFamily="34" charset="0"/>
-                <a:hlinkClick r:id="rId4"/>
-              </a:rPr>
-              <a:t>cloudmesh</a:t>
-            </a:r>
-            <a:r>
-              <a:rPr lang="en-US" sz="1800">
-                <a:latin typeface="Franklin Gothic Book" panose="020B0503020102020204" pitchFamily="34" charset="0"/>
-                <a:hlinkClick r:id="rId4"/>
-              </a:rPr>
-              <a:t> (github.com)</a:t>
-            </a:r>
-            <a:endParaRPr lang="en-US" sz="1800">
+              <a:t>cloudmesh/cloudmesh-common: Common methods that make programming in python easier and used in cloudmesh (github.com)</a:t>
+            </a:r>
+            <a:endParaRPr lang="en-US" sz="1800" dirty="0">
               <a:latin typeface="Franklin Gothic Book" panose="020B0503020102020204" pitchFamily="34" charset="0"/>
             </a:endParaRPr>
           </a:p>
@@ -3355,34 +3324,13 @@
               <a:buChar char="•"/>
             </a:pPr>
             <a:r>
-              <a:rPr lang="en-US" sz="1800" err="1">
+              <a:rPr lang="en-US" sz="1800" dirty="0">
                 <a:latin typeface="Franklin Gothic Book" panose="020B0503020102020204" pitchFamily="34" charset="0"/>
                 <a:hlinkClick r:id="rId5"/>
               </a:rPr>
-              <a:t>cloudmesh</a:t>
-            </a:r>
-            <a:r>
-              <a:rPr lang="en-US" sz="1800">
-                <a:latin typeface="Franklin Gothic Book" panose="020B0503020102020204" pitchFamily="34" charset="0"/>
-                <a:hlinkClick r:id="rId5"/>
-              </a:rPr>
-              <a:t>/</a:t>
-            </a:r>
-            <a:r>
-              <a:rPr lang="en-US" sz="1800" err="1">
-                <a:latin typeface="Franklin Gothic Book" panose="020B0503020102020204" pitchFamily="34" charset="0"/>
-                <a:hlinkClick r:id="rId5"/>
-              </a:rPr>
-              <a:t>cloudmesh-vpn</a:t>
-            </a:r>
-            <a:r>
-              <a:rPr lang="en-US" sz="1800">
-                <a:latin typeface="Franklin Gothic Book" panose="020B0503020102020204" pitchFamily="34" charset="0"/>
-                <a:hlinkClick r:id="rId5"/>
-              </a:rPr>
-              <a:t> (github.com)</a:t>
-            </a:r>
-            <a:endParaRPr lang="en-US" sz="1800" b="1">
+              <a:t>cloudmesh/cloudmesh-vpn (github.com)</a:t>
+            </a:r>
+            <a:endParaRPr lang="en-US" sz="1800" b="1" dirty="0">
               <a:solidFill>
                 <a:srgbClr val="20304B"/>
               </a:solidFill>
@@ -3395,20 +3343,13 @@
               <a:buChar char="•"/>
             </a:pPr>
             <a:r>
-              <a:rPr lang="en-US" sz="1800" err="1">
+              <a:rPr lang="en-US" sz="1800" dirty="0">
                 <a:latin typeface="Franklin Gothic Book" panose="020B0503020102020204" pitchFamily="34" charset="0"/>
                 <a:hlinkClick r:id="rId6"/>
               </a:rPr>
-              <a:t>cybertraining-dsc</a:t>
-            </a:r>
-            <a:r>
-              <a:rPr lang="en-US" sz="1800">
-                <a:latin typeface="Franklin Gothic Book" panose="020B0503020102020204" pitchFamily="34" charset="0"/>
-                <a:hlinkClick r:id="rId6"/>
-              </a:rPr>
-              <a:t>/reu2022 (github.com)</a:t>
-            </a:r>
-            <a:endParaRPr lang="en-US" sz="1800" b="1">
+              <a:t>cybertraining-dsc/reu2022 (github.com)</a:t>
+            </a:r>
+            <a:endParaRPr lang="en-US" sz="1800" b="1" dirty="0">
               <a:solidFill>
                 <a:srgbClr val="20304B"/>
               </a:solidFill>
@@ -3427,8 +3368,8 @@
         </p:nvSpPr>
         <p:spPr>
           <a:xfrm>
-            <a:off x="-256296" y="24680689"/>
-            <a:ext cx="5384800" cy="523220"/>
+            <a:off x="30613" y="24273248"/>
+            <a:ext cx="4835100" cy="769441"/>
           </a:xfrm>
           <a:prstGeom prst="rect">
             <a:avLst/>
@@ -3441,9 +3382,8 @@
           </a:bodyPr>
           <a:lstStyle/>
           <a:p>
-            <a:pPr algn="ctr"/>
-            <a:r>
-              <a:rPr lang="en-US" sz="2800" b="1" i="1">
+            <a:r>
+              <a:rPr lang="en-US" sz="2200" b="1" i="1" dirty="0">
                 <a:solidFill>
                   <a:schemeClr val="tx1">
                     <a:lumMod val="65000"/>
@@ -3452,7 +3392,31 @@
                 </a:solidFill>
                 <a:latin typeface="Bodoni Std Poster"/>
               </a:rPr>
-              <a:t>Fig 1. Sample Workflow</a:t>
+              <a:t>Fig. 1. Execution of a </a:t>
+            </a:r>
+            <a:r>
+              <a:rPr lang="en-US" sz="2200" b="1" i="1" dirty="0" err="1">
+                <a:solidFill>
+                  <a:schemeClr val="tx1">
+                    <a:lumMod val="65000"/>
+                    <a:lumOff val="35000"/>
+                  </a:schemeClr>
+                </a:solidFill>
+                <a:latin typeface="Bodoni Std Poster"/>
+              </a:rPr>
+              <a:t>Cloudmesh</a:t>
+            </a:r>
+            <a:r>
+              <a:rPr lang="en-US" sz="2200" b="1" i="1" dirty="0">
+                <a:solidFill>
+                  <a:schemeClr val="tx1">
+                    <a:lumMod val="65000"/>
+                    <a:lumOff val="35000"/>
+                  </a:schemeClr>
+                </a:solidFill>
+                <a:latin typeface="Bodoni Std Poster"/>
+              </a:rPr>
+              <a:t> cc Workflow with display</a:t>
             </a:r>
           </a:p>
         </p:txBody>
@@ -3465,8 +3429,8 @@
         </p:nvSpPr>
         <p:spPr>
           <a:xfrm>
-            <a:off x="4712715" y="24305113"/>
-            <a:ext cx="5452915" cy="523220"/>
+            <a:off x="4967416" y="24305113"/>
+            <a:ext cx="5198214" cy="769441"/>
           </a:xfrm>
           <a:prstGeom prst="rect">
             <a:avLst/>
@@ -3479,9 +3443,8 @@
           </a:bodyPr>
           <a:lstStyle/>
           <a:p>
-            <a:pPr algn="ctr"/>
-            <a:r>
-              <a:rPr lang="en-US" sz="2800" b="1" i="1">
+            <a:r>
+              <a:rPr lang="en-US" sz="2200" b="1" i="1" dirty="0">
                 <a:solidFill>
                   <a:schemeClr val="tx1">
                     <a:lumMod val="65000"/>
@@ -3492,10 +3455,10 @@
                 <a:ea typeface="Bodoni Std Poster" charset="0"/>
                 <a:cs typeface="Bodoni Std Poster" charset="0"/>
               </a:rPr>
-              <a:t>Fig 2. </a:t>
-            </a:r>
-            <a:r>
-              <a:rPr lang="en-US" sz="2800" b="1" i="1" err="1">
+              <a:t>Fig. 2. F Documentation of the REST </a:t>
+            </a:r>
+            <a:r>
+              <a:rPr lang="en-US" sz="2200" b="1" i="1" dirty="0" err="1">
                 <a:solidFill>
                   <a:schemeClr val="tx1">
                     <a:lumMod val="65000"/>
@@ -3506,10 +3469,10 @@
                 <a:ea typeface="Bodoni Std Poster" charset="0"/>
                 <a:cs typeface="Bodoni Std Poster" charset="0"/>
               </a:rPr>
-              <a:t>FastAPI</a:t>
-            </a:r>
-            <a:r>
-              <a:rPr lang="en-US" sz="2800" b="1" i="1">
+              <a:t>Cloudmesh</a:t>
+            </a:r>
+            <a:r>
+              <a:rPr lang="en-US" sz="2200" b="1" i="1" dirty="0">
                 <a:solidFill>
                   <a:schemeClr val="tx1">
                     <a:lumMod val="65000"/>
@@ -3520,7 +3483,7 @@
                 <a:ea typeface="Bodoni Std Poster" charset="0"/>
                 <a:cs typeface="Bodoni Std Poster" charset="0"/>
               </a:rPr>
-              <a:t> Docs for Workflow</a:t>
+              <a:t> cc Workflow interface</a:t>
             </a:r>
           </a:p>
         </p:txBody>
@@ -3961,7 +3924,7 @@
           </a:p>
           <a:p>
             <a:r>
-              <a:rPr lang="en-US" sz="2200" b="1">
+              <a:rPr lang="en-US" sz="2200" b="1" dirty="0">
                 <a:solidFill>
                   <a:srgbClr val="3A4860"/>
                 </a:solidFill>
@@ -3972,7 +3935,7 @@
               <a:t>The hybrid multi-cloud analytics service framework was created to ensure the optimal user experience for running jobs across many platforms. From the bottom up, there are a plethora of Python objects that were created to ensure execution of the jobs. These are the database, job, graph, and workflow objects along with the frontend service itself. The databases that were produced relied on a previously implemented service called </a:t>
             </a:r>
             <a:r>
-              <a:rPr lang="en-US" sz="2200" b="1" err="1">
+              <a:rPr lang="en-US" sz="2200" b="1" dirty="0" err="1">
                 <a:solidFill>
                   <a:srgbClr val="3A4860"/>
                 </a:solidFill>
@@ -3983,7 +3946,7 @@
               <a:t>YamlDB</a:t>
             </a:r>
             <a:r>
-              <a:rPr lang="en-US" sz="2200" b="1">
+              <a:rPr lang="en-US" sz="2200" b="1" dirty="0">
                 <a:solidFill>
                   <a:srgbClr val="3A4860"/>
                 </a:solidFill>
@@ -4013,10 +3976,10 @@
                 <a:ea typeface="+mn-lt"/>
                 <a:cs typeface="+mn-lt"/>
               </a:rPr>
-              <a:t> </a:t>
-            </a:r>
-            <a:r>
-              <a:rPr lang="en-US" sz="2200" b="1">
+              <a:t> job, and an SSH job (which was primarily used for Rivanna). When a workflow is created, there is an internal structure that identifies the type of machine that is being operated on and creates the correct job based on that machine. After the job, a graph class was created to mesh with the workflow. The graph creates a node and edge graph with a corresponding visual representation of the graph. This was to allow the user to visualize where they are in the workflow. Next the workflow itself allows users to add jobs, remove jobs, add edges, and then run each of the jobs in the order that was specified. This allows the user to interact with each of the previous objects. Finally, the service itself is a </a:t>
+            </a:r>
+            <a:r>
+              <a:rPr lang="en-US" sz="2200" b="1" dirty="0" err="1">
                 <a:solidFill>
                   <a:srgbClr val="3A4860"/>
                 </a:solidFill>
@@ -4024,7 +3987,7 @@
                 <a:ea typeface="+mn-lt"/>
                 <a:cs typeface="+mn-lt"/>
               </a:rPr>
-              <a:t>job, and </a:t>
+              <a:t>FastAPI</a:t>
             </a:r>
             <a:r>
               <a:rPr lang="en-US" sz="2200" b="1" dirty="0">
@@ -4035,10 +3998,10 @@
                 <a:ea typeface="+mn-lt"/>
                 <a:cs typeface="+mn-lt"/>
               </a:rPr>
-              <a:t>an</a:t>
-            </a:r>
-            <a:r>
-              <a:rPr lang="en-US" sz="2200" b="1">
+              <a:t> implementation of the workflow. Users can access this through their own devices, they can add, remove jobs, and run jobs through a graphical user interface. This interface can be run through command line commands as created in the </a:t>
+            </a:r>
+            <a:r>
+              <a:rPr lang="en-US" sz="2200" b="1" dirty="0" err="1">
                 <a:solidFill>
                   <a:srgbClr val="3A4860"/>
                 </a:solidFill>
@@ -4046,10 +4009,10 @@
                 <a:ea typeface="+mn-lt"/>
                 <a:cs typeface="+mn-lt"/>
               </a:rPr>
-              <a:t> SSH job (which was primarily used for Rivanna). When a workflow is created, there is an internal structure that identifies the type of machine that is being operated on and creates the correct job based on that machine. After the job, a graph class was created to mesh with the workflow. The graph creates a node and edge graph with a corresponding visual representation of the graph. This was to allow the user to visualize where they are in the workflow. Next the workflow itself allows users to add jobs, remove jobs, add edges, and then run each of the jobs in the order that was specified. This allows the user to interact with each of the previous objects. Finally, the service itself is a </a:t>
-            </a:r>
-            <a:r>
-              <a:rPr lang="en-US" sz="2200" b="1" err="1">
+              <a:t>cloudmesh</a:t>
+            </a:r>
+            <a:r>
+              <a:rPr lang="en-US" sz="2200" b="1" dirty="0">
                 <a:solidFill>
                   <a:srgbClr val="3A4860"/>
                 </a:solidFill>
@@ -4057,32 +4020,24 @@
                 <a:ea typeface="+mn-lt"/>
                 <a:cs typeface="+mn-lt"/>
               </a:rPr>
-              <a:t>FastAPI</a:t>
-            </a:r>
-            <a:r>
-              <a:rPr lang="en-US" sz="2200" b="1">
-                <a:solidFill>
-                  <a:srgbClr val="3A4860"/>
-                </a:solidFill>
+              <a:t>-cc repository. </a:t>
+            </a:r>
+            <a:br>
+              <a:rPr lang="en-US" sz="2200" b="1" dirty="0">
                 <a:latin typeface="Franklin Gothic Book"/>
                 <a:ea typeface="+mn-lt"/>
                 <a:cs typeface="+mn-lt"/>
               </a:rPr>
-              <a:t> implementation of the workflow. Users can access this through their own devices, they can add, remove jobs, and run jobs through a graphical user interface. This interface can be run through command line commands as created in the </a:t>
-            </a:r>
-            <a:r>
-              <a:rPr lang="en-US" sz="2200" b="1" err="1">
-                <a:solidFill>
-                  <a:srgbClr val="3A4860"/>
-                </a:solidFill>
+            </a:br>
+            <a:br>
+              <a:rPr lang="en-US" sz="2200" b="1" dirty="0">
                 <a:latin typeface="Franklin Gothic Book"/>
                 <a:ea typeface="+mn-lt"/>
                 <a:cs typeface="+mn-lt"/>
               </a:rPr>
-              <a:t>cloudmesh</a:t>
-            </a:r>
-            <a:r>
-              <a:rPr lang="en-US" sz="2200" b="1">
+            </a:br>
+            <a:r>
+              <a:rPr lang="en-US" sz="2200" b="1" dirty="0">
                 <a:solidFill>
                   <a:srgbClr val="3A4860"/>
                 </a:solidFill>
@@ -4090,42 +4045,180 @@
                 <a:ea typeface="+mn-lt"/>
                 <a:cs typeface="+mn-lt"/>
               </a:rPr>
-              <a:t>-cc repository. </a:t>
-            </a:r>
-            <a:br>
-              <a:rPr lang="en-US" sz="2200" b="1">
+              <a:t>In summary, users interact with a graphical user interface to create workflows of jobs, which are scripts that run specific experiments. This graphical user interface shows users where their jobs are in the process of completion and create output files for each job. With this framework, researchers and scientists should be able to create jobs on their own, place them in the workflow, and run them on various types of computers. </a:t>
+            </a:r>
+          </a:p>
+        </p:txBody>
+      </p:sp>
+      <p:sp>
+        <p:nvSpPr>
+          <p:cNvPr id="12" name="TextBox 11">
+            <a:extLst>
+              <a:ext uri="{FF2B5EF4-FFF2-40B4-BE49-F238E27FC236}">
+                <a16:creationId xmlns:a16="http://schemas.microsoft.com/office/drawing/2014/main" id="{7D168A24-73E9-EFAE-8B46-2875103863E6}"/>
+              </a:ext>
+            </a:extLst>
+          </p:cNvPr>
+          <p:cNvSpPr txBox="1"/>
+          <p:nvPr/>
+        </p:nvSpPr>
+        <p:spPr>
+          <a:xfrm>
+            <a:off x="10810471" y="24797112"/>
+            <a:ext cx="10748416" cy="3662541"/>
+          </a:xfrm>
+          <a:prstGeom prst="rect">
+            <a:avLst/>
+          </a:prstGeom>
+          <a:noFill/>
+        </p:spPr>
+        <p:txBody>
+          <a:bodyPr rot="0" spcFirstLastPara="0" vertOverflow="overflow" horzOverflow="overflow" vert="horz" wrap="square" lIns="91440" tIns="45720" rIns="91440" bIns="45720" numCol="1" spcCol="0" rtlCol="0" fromWordArt="0" anchor="t" anchorCtr="0" forceAA="0" compatLnSpc="1">
+            <a:prstTxWarp prst="textNoShape">
+              <a:avLst/>
+            </a:prstTxWarp>
+            <a:spAutoFit/>
+          </a:bodyPr>
+          <a:lstStyle/>
+          <a:p>
+            <a:r>
+              <a:rPr lang="en-US" sz="2400" b="1" dirty="0">
+                <a:solidFill>
+                  <a:srgbClr val="3A4860"/>
+                </a:solidFill>
+                <a:latin typeface="Franklin Gothic"/>
+                <a:ea typeface="+mn-lt"/>
+                <a:cs typeface="+mn-lt"/>
+              </a:rPr>
+              <a:t>Future Work</a:t>
+            </a:r>
+          </a:p>
+          <a:p>
+            <a:r>
+              <a:rPr lang="en-US" sz="2400" dirty="0">
+                <a:solidFill>
+                  <a:srgbClr val="3A4860"/>
+                </a:solidFill>
+                <a:latin typeface="Franklin Gothic"/>
+                <a:ea typeface="+mn-lt"/>
+                <a:cs typeface="+mn-lt"/>
+              </a:rPr>
+              <a:t>The work conducted by the original student team was a pre-alpha prototype and focus was placed on educating the students in teamwork and python programming. In that prototype many design aspects that we set forward at the beginning of the project were not implemented. </a:t>
+            </a:r>
+          </a:p>
+          <a:p>
+            <a:endParaRPr lang="en-US" sz="2400" dirty="0">
+              <a:solidFill>
+                <a:srgbClr val="3A4860"/>
+              </a:solidFill>
+              <a:latin typeface="Franklin Gothic"/>
+              <a:ea typeface="+mn-lt"/>
+              <a:cs typeface="+mn-lt"/>
+            </a:endParaRPr>
+          </a:p>
+          <a:p>
+            <a:r>
+              <a:rPr lang="en-US" sz="2200" b="1" dirty="0">
+                <a:solidFill>
+                  <a:srgbClr val="3A4860"/>
+                </a:solidFill>
                 <a:latin typeface="Franklin Gothic Book"/>
                 <a:ea typeface="+mn-lt"/>
                 <a:cs typeface="+mn-lt"/>
               </a:rPr>
-            </a:br>
-            <a:br>
-              <a:rPr lang="en-US" sz="2200" b="1">
-                <a:latin typeface="Franklin Gothic Book"/>
-                <a:ea typeface="+mn-lt"/>
-                <a:cs typeface="+mn-lt"/>
-              </a:rPr>
-            </a:br>
-            <a:r>
-              <a:rPr lang="en-US" sz="2200" b="1">
-                <a:solidFill>
-                  <a:srgbClr val="3A4860"/>
-                </a:solidFill>
-                <a:latin typeface="Franklin Gothic Book"/>
-                <a:ea typeface="+mn-lt"/>
-                <a:cs typeface="+mn-lt"/>
-              </a:rPr>
-              <a:t>In summary, users interact with a graphical user interface to create workflows of jobs, which are scripts that run specific experiments. This graphical user interface shows users where their jobs are in the process of completion and create output files for each job. With this framework, researchers and scientists should be able to create jobs on their own, place them in the workflow, and run them on various types of computers. </a:t>
+              <a:t>A complete reimplementation that meets our design goals has since been delivered by Gregor von Laszewski and JP. Fleischer. This includes also significant updates  and corrections to this poster </a:t>
+            </a:r>
+          </a:p>
+          <a:p>
+            <a:endParaRPr lang="en-US" sz="2200" b="1" dirty="0">
+              <a:solidFill>
+                <a:srgbClr val="3A4860"/>
+              </a:solidFill>
+              <a:latin typeface="Franklin Gothic Book"/>
+              <a:cs typeface="Calibri"/>
+            </a:endParaRPr>
+          </a:p>
+        </p:txBody>
+      </p:sp>
+      <p:sp>
+        <p:nvSpPr>
+          <p:cNvPr id="23" name="TextBox 22">
+            <a:extLst>
+              <a:ext uri="{FF2B5EF4-FFF2-40B4-BE49-F238E27FC236}">
+                <a16:creationId xmlns:a16="http://schemas.microsoft.com/office/drawing/2014/main" id="{866918AF-1A8A-7BB1-B959-2CE6E1254C05}"/>
+              </a:ext>
+            </a:extLst>
+          </p:cNvPr>
+          <p:cNvSpPr txBox="1"/>
+          <p:nvPr/>
+        </p:nvSpPr>
+        <p:spPr>
+          <a:xfrm>
+            <a:off x="10972800" y="13045739"/>
+            <a:ext cx="10250666" cy="430887"/>
+          </a:xfrm>
+          <a:prstGeom prst="rect">
+            <a:avLst/>
+          </a:prstGeom>
+          <a:noFill/>
+        </p:spPr>
+        <p:txBody>
+          <a:bodyPr wrap="square" rtlCol="0">
+            <a:spAutoFit/>
+          </a:bodyPr>
+          <a:lstStyle/>
+          <a:p>
+            <a:r>
+              <a:rPr lang="en-US" sz="2200" b="1" i="1" dirty="0">
+                <a:solidFill>
+                  <a:schemeClr val="tx1">
+                    <a:lumMod val="65000"/>
+                    <a:lumOff val="35000"/>
+                  </a:schemeClr>
+                </a:solidFill>
+                <a:latin typeface="Bodoni Std Poster" charset="0"/>
+                <a:ea typeface="Bodoni Std Poster" charset="0"/>
+                <a:cs typeface="Bodoni Std Poster" charset="0"/>
+              </a:rPr>
+              <a:t>Fig. 3. Architecture of the </a:t>
+            </a:r>
+            <a:r>
+              <a:rPr lang="en-US" sz="2200" b="1" i="1" dirty="0" err="1">
+                <a:solidFill>
+                  <a:schemeClr val="tx1">
+                    <a:lumMod val="65000"/>
+                    <a:lumOff val="35000"/>
+                  </a:schemeClr>
+                </a:solidFill>
+                <a:latin typeface="Bodoni Std Poster" charset="0"/>
+                <a:ea typeface="Bodoni Std Poster" charset="0"/>
+                <a:cs typeface="Bodoni Std Poster" charset="0"/>
+              </a:rPr>
+              <a:t>Cloudmesh</a:t>
+            </a:r>
+            <a:r>
+              <a:rPr lang="en-US" sz="2200" b="1" i="1" dirty="0">
+                <a:solidFill>
+                  <a:schemeClr val="tx1">
+                    <a:lumMod val="65000"/>
+                    <a:lumOff val="35000"/>
+                  </a:schemeClr>
+                </a:solidFill>
+                <a:latin typeface="Bodoni Std Poster" charset="0"/>
+                <a:ea typeface="Bodoni Std Poster" charset="0"/>
+                <a:cs typeface="Bodoni Std Poster" charset="0"/>
+              </a:rPr>
+              <a:t> cc Workflow Framework</a:t>
             </a:r>
           </a:p>
         </p:txBody>
       </p:sp>
       <p:pic>
         <p:nvPicPr>
-          <p:cNvPr id="6" name="Graphic 7">
+          <p:cNvPr id="5" name="Picture 4">
             <a:extLst>
               <a:ext uri="{FF2B5EF4-FFF2-40B4-BE49-F238E27FC236}">
-                <a16:creationId xmlns:a16="http://schemas.microsoft.com/office/drawing/2014/main" id="{0C228041-6F63-AAC2-0F9E-17E1B2126F47}"/>
+                <a16:creationId xmlns:a16="http://schemas.microsoft.com/office/drawing/2014/main" id="{F7E52BFF-B5E6-1620-B323-E3AC91707404}"/>
               </a:ext>
             </a:extLst>
           </p:cNvPr>
@@ -4135,21 +4228,15 @@
           <p:nvPr/>
         </p:nvPicPr>
         <p:blipFill>
-          <a:blip r:embed="rId7">
-            <a:extLst>
-              <a:ext uri="{96DAC541-7B7A-43D3-8B79-37D633B846F1}">
-                <asvg:svgBlip xmlns:asvg="http://schemas.microsoft.com/office/drawing/2016/SVG/main" r:embed="rId8"/>
-              </a:ext>
-            </a:extLst>
-          </a:blip>
+          <a:blip r:embed="rId7"/>
           <a:stretch>
             <a:fillRect/>
           </a:stretch>
         </p:blipFill>
         <p:spPr>
           <a:xfrm>
-            <a:off x="287684" y="18592865"/>
-            <a:ext cx="4365070" cy="6087824"/>
+            <a:off x="11274351" y="4902620"/>
+            <a:ext cx="9820656" cy="7998802"/>
           </a:xfrm>
           <a:prstGeom prst="rect">
             <a:avLst/>
@@ -4158,10 +4245,10 @@
       </p:pic>
       <p:pic>
         <p:nvPicPr>
-          <p:cNvPr id="9" name="Picture 11" descr="Graphical user interface, application&#10;&#10;Description automatically generated">
+          <p:cNvPr id="11" name="Picture 10" descr="Graphical user interface, application&#10;&#10;Description automatically generated">
             <a:extLst>
               <a:ext uri="{FF2B5EF4-FFF2-40B4-BE49-F238E27FC236}">
-                <a16:creationId xmlns:a16="http://schemas.microsoft.com/office/drawing/2014/main" id="{610C7BE7-060D-F969-F321-8FD3C28CDCA7}"/>
+                <a16:creationId xmlns:a16="http://schemas.microsoft.com/office/drawing/2014/main" id="{60A3AE67-2733-5DF3-FFCF-082A41A9F78B}"/>
               </a:ext>
             </a:extLst>
           </p:cNvPr>
@@ -4170,224 +4257,41 @@
           </p:cNvPicPr>
           <p:nvPr/>
         </p:nvPicPr>
-        <p:blipFill>
-          <a:blip r:embed="rId9"/>
-          <a:stretch>
-            <a:fillRect/>
-          </a:stretch>
+        <p:blipFill rotWithShape="1">
+          <a:blip r:embed="rId8"/>
+          <a:srcRect l="2195" t="3883" r="2195" b="2651"/>
+          <a:stretch/>
         </p:blipFill>
         <p:spPr>
           <a:xfrm>
-            <a:off x="4796947" y="18627678"/>
-            <a:ext cx="5468265" cy="5674820"/>
-          </a:xfrm>
-          <a:prstGeom prst="rect">
-            <a:avLst/>
-          </a:prstGeom>
-          <a:ln w="57150">
-            <a:solidFill>
-              <a:schemeClr val="accent2"/>
-            </a:solidFill>
-          </a:ln>
-        </p:spPr>
-      </p:pic>
-      <p:sp>
-        <p:nvSpPr>
-          <p:cNvPr id="12" name="TextBox 11">
-            <a:extLst>
-              <a:ext uri="{FF2B5EF4-FFF2-40B4-BE49-F238E27FC236}">
-                <a16:creationId xmlns:a16="http://schemas.microsoft.com/office/drawing/2014/main" id="{7D168A24-73E9-EFAE-8B46-2875103863E6}"/>
-              </a:ext>
-            </a:extLst>
-          </p:cNvPr>
-          <p:cNvSpPr txBox="1"/>
-          <p:nvPr/>
-        </p:nvSpPr>
-        <p:spPr>
-          <a:xfrm>
-            <a:off x="10810471" y="24797112"/>
-            <a:ext cx="10748416" cy="4862870"/>
+            <a:off x="4835099" y="18683416"/>
+            <a:ext cx="5330531" cy="5412798"/>
           </a:xfrm>
           <a:prstGeom prst="rect">
             <a:avLst/>
           </a:prstGeom>
           <a:noFill/>
+          <a:ln>
+            <a:noFill/>
+          </a:ln>
+          <a:effectLst/>
+          <a:scene3d>
+            <a:camera prst="orthographicFront"/>
+            <a:lightRig rig="threePt" dir="t"/>
+          </a:scene3d>
+          <a:sp3d contourW="12700">
+            <a:contourClr>
+              <a:schemeClr val="bg1"/>
+            </a:contourClr>
+          </a:sp3d>
         </p:spPr>
-        <p:txBody>
-          <a:bodyPr rot="0" spcFirstLastPara="0" vertOverflow="overflow" horzOverflow="overflow" vert="horz" wrap="square" lIns="91440" tIns="45720" rIns="91440" bIns="45720" numCol="1" spcCol="0" rtlCol="0" fromWordArt="0" anchor="t" anchorCtr="0" forceAA="0" compatLnSpc="1">
-            <a:prstTxWarp prst="textNoShape">
-              <a:avLst/>
-            </a:prstTxWarp>
-            <a:spAutoFit/>
-          </a:bodyPr>
-          <a:lstStyle/>
-          <a:p>
-            <a:r>
-              <a:rPr lang="en-US" sz="2400" b="1" dirty="0">
-                <a:solidFill>
-                  <a:srgbClr val="3A4860"/>
-                </a:solidFill>
-                <a:latin typeface="Franklin Gothic"/>
-                <a:ea typeface="+mn-lt"/>
-                <a:cs typeface="+mn-lt"/>
-              </a:rPr>
-              <a:t>Future Work</a:t>
-            </a:r>
-          </a:p>
-          <a:p>
-            <a:r>
-              <a:rPr lang="en-US" sz="2200" b="1">
-                <a:solidFill>
-                  <a:srgbClr val="3A4860"/>
-                </a:solidFill>
-                <a:latin typeface="Franklin Gothic Book"/>
-                <a:ea typeface="+mn-lt"/>
-                <a:cs typeface="+mn-lt"/>
-              </a:rPr>
-              <a:t>There are a few aspects of the service that are unfinished. For instance, the </a:t>
-            </a:r>
-            <a:r>
-              <a:rPr lang="en-US" sz="2200" b="1" err="1">
-                <a:solidFill>
-                  <a:srgbClr val="3A4860"/>
-                </a:solidFill>
-                <a:latin typeface="Franklin Gothic Book"/>
-                <a:ea typeface="+mn-lt"/>
-                <a:cs typeface="+mn-lt"/>
-              </a:rPr>
-              <a:t>FastAPI</a:t>
-            </a:r>
-            <a:r>
-              <a:rPr lang="en-US" sz="2200" b="1">
-                <a:solidFill>
-                  <a:srgbClr val="3A4860"/>
-                </a:solidFill>
-                <a:latin typeface="Franklin Gothic Book"/>
-                <a:ea typeface="+mn-lt"/>
-                <a:cs typeface="+mn-lt"/>
-              </a:rPr>
-              <a:t> section of the service could be improved to have a more user-friendly graphical interface. This could be accomplished by integrating what we learned through </a:t>
-            </a:r>
-            <a:r>
-              <a:rPr lang="en-US" sz="2200" b="1" err="1">
-                <a:solidFill>
-                  <a:srgbClr val="3A4860"/>
-                </a:solidFill>
-                <a:latin typeface="Franklin Gothic Book"/>
-                <a:ea typeface="+mn-lt"/>
-                <a:cs typeface="+mn-lt"/>
-              </a:rPr>
-              <a:t>FastAPI</a:t>
-            </a:r>
-            <a:r>
-              <a:rPr lang="en-US" sz="2200" b="1">
-                <a:solidFill>
-                  <a:srgbClr val="3A4860"/>
-                </a:solidFill>
-                <a:latin typeface="Franklin Gothic Book"/>
-                <a:ea typeface="+mn-lt"/>
-                <a:cs typeface="+mn-lt"/>
-              </a:rPr>
-              <a:t> with a different frontend framework, such as Django or flask.  </a:t>
-            </a:r>
-          </a:p>
-          <a:p>
-            <a:endParaRPr lang="en-US" sz="2200" b="1">
-              <a:solidFill>
-                <a:srgbClr val="3A4860"/>
-              </a:solidFill>
-              <a:latin typeface="Franklin Gothic Book"/>
-              <a:ea typeface="+mn-lt"/>
-              <a:cs typeface="+mn-lt"/>
-            </a:endParaRPr>
-          </a:p>
-          <a:p>
-            <a:r>
-              <a:rPr lang="en-US" sz="2200" b="1">
-                <a:solidFill>
-                  <a:srgbClr val="3A4860"/>
-                </a:solidFill>
-                <a:latin typeface="Franklin Gothic Book"/>
-                <a:cs typeface="Calibri"/>
-              </a:rPr>
-              <a:t>Regarding the workflow, major cleanup is needed. This could be done by streamlining variables and creating better documentation so future users and programmers can use the service.  </a:t>
-            </a:r>
-          </a:p>
-          <a:p>
-            <a:endParaRPr lang="en-US" sz="2200" b="1">
-              <a:solidFill>
-                <a:srgbClr val="3A4860"/>
-              </a:solidFill>
-              <a:latin typeface="Franklin Gothic Book"/>
-              <a:cs typeface="Calibri"/>
-            </a:endParaRPr>
-          </a:p>
-          <a:p>
-            <a:r>
-              <a:rPr lang="en-US" sz="2200" b="1">
-                <a:solidFill>
-                  <a:srgbClr val="3A4860"/>
-                </a:solidFill>
-                <a:latin typeface="Franklin Gothic Book"/>
-                <a:cs typeface="Calibri"/>
-              </a:rPr>
-              <a:t>With these changes, the service could be vastly improved. In the future, we would like researchers to be able to easily access the code and to have success stories with their experiments. Additionally, we would like external users to report what they found useful and not useful about the service so that we can more craft better solutions in the future. </a:t>
-            </a:r>
-          </a:p>
-        </p:txBody>
-      </p:sp>
-      <p:sp>
-        <p:nvSpPr>
-          <p:cNvPr id="23" name="TextBox 22">
+      </p:pic>
+      <p:pic>
+        <p:nvPicPr>
+          <p:cNvPr id="14" name="Picture 13" descr="Diagram&#10;&#10;Description automatically generated">
             <a:extLst>
               <a:ext uri="{FF2B5EF4-FFF2-40B4-BE49-F238E27FC236}">
-                <a16:creationId xmlns:a16="http://schemas.microsoft.com/office/drawing/2014/main" id="{866918AF-1A8A-7BB1-B959-2CE6E1254C05}"/>
-              </a:ext>
-            </a:extLst>
-          </p:cNvPr>
-          <p:cNvSpPr txBox="1"/>
-          <p:nvPr/>
-        </p:nvSpPr>
-        <p:spPr>
-          <a:xfrm>
-            <a:off x="11901884" y="13045739"/>
-            <a:ext cx="5452915" cy="523220"/>
-          </a:xfrm>
-          <a:prstGeom prst="rect">
-            <a:avLst/>
-          </a:prstGeom>
-          <a:noFill/>
-        </p:spPr>
-        <p:txBody>
-          <a:bodyPr wrap="square" rtlCol="0">
-            <a:spAutoFit/>
-          </a:bodyPr>
-          <a:lstStyle/>
-          <a:p>
-            <a:pPr algn="ctr"/>
-            <a:r>
-              <a:rPr lang="en-US" sz="2800" b="1" i="1">
-                <a:solidFill>
-                  <a:schemeClr val="tx1">
-                    <a:lumMod val="65000"/>
-                    <a:lumOff val="35000"/>
-                  </a:schemeClr>
-                </a:solidFill>
-                <a:latin typeface="Bodoni Std Poster" charset="0"/>
-                <a:ea typeface="Bodoni Std Poster" charset="0"/>
-                <a:cs typeface="Bodoni Std Poster" charset="0"/>
-              </a:rPr>
-              <a:t>Fig 3. Workflow Layout</a:t>
-            </a:r>
-          </a:p>
-        </p:txBody>
-      </p:sp>
-      <p:pic>
-        <p:nvPicPr>
-          <p:cNvPr id="15" name="Picture 14">
-            <a:extLst>
-              <a:ext uri="{FF2B5EF4-FFF2-40B4-BE49-F238E27FC236}">
-                <a16:creationId xmlns:a16="http://schemas.microsoft.com/office/drawing/2014/main" id="{B783B40E-CA1D-720C-E996-3FDE965BC7A7}"/>
+                <a16:creationId xmlns:a16="http://schemas.microsoft.com/office/drawing/2014/main" id="{FC6CB215-1B96-EAD7-EC2A-FB7C33A49D41}"/>
               </a:ext>
             </a:extLst>
           </p:cNvPr>
@@ -4396,25 +4300,29 @@
           </p:cNvPicPr>
           <p:nvPr/>
         </p:nvPicPr>
-        <p:blipFill>
-          <a:blip r:embed="rId10"/>
-          <a:stretch>
-            <a:fillRect/>
-          </a:stretch>
+        <p:blipFill rotWithShape="1">
+          <a:blip r:embed="rId9"/>
+          <a:srcRect l="1720" t="42" r="1077"/>
+          <a:stretch/>
         </p:blipFill>
         <p:spPr>
           <a:xfrm>
-            <a:off x="10968253" y="4511780"/>
-            <a:ext cx="10353492" cy="8448344"/>
+            <a:off x="543697" y="18617514"/>
+            <a:ext cx="3904735" cy="5478700"/>
           </a:xfrm>
           <a:prstGeom prst="rect">
             <a:avLst/>
           </a:prstGeom>
-          <a:ln w="57150">
-            <a:solidFill>
-              <a:schemeClr val="accent2"/>
-            </a:solidFill>
-          </a:ln>
+          <a:effectLst/>
+          <a:scene3d>
+            <a:camera prst="orthographicFront"/>
+            <a:lightRig rig="threePt" dir="t"/>
+          </a:scene3d>
+          <a:sp3d>
+            <a:contourClr>
+              <a:schemeClr val="bg1"/>
+            </a:contourClr>
+          </a:sp3d>
         </p:spPr>
       </p:pic>
     </p:spTree>
@@ -4692,15 +4600,6 @@
 </file>
 
 <file path=customXml/item1.xml><?xml version="1.0" encoding="utf-8"?>
-<?mso-contentType ?>
-<FormTemplates xmlns="http://schemas.microsoft.com/sharepoint/v3/contenttype/forms">
-  <Display>DocumentLibraryForm</Display>
-  <Edit>DocumentLibraryForm</Edit>
-  <New>DocumentLibraryForm</New>
-</FormTemplates>
-</file>
-
-<file path=customXml/item2.xml><?xml version="1.0" encoding="utf-8"?>
 <ct:contentTypeSchema xmlns:ct="http://schemas.microsoft.com/office/2006/metadata/contentType" xmlns:ma="http://schemas.microsoft.com/office/2006/metadata/properties/metaAttributes" ct:_="" ma:_="" ma:contentTypeName="Document" ma:contentTypeID="0x010100D10A93922F8CB14BB5592F4B58469901" ma:contentTypeVersion="0" ma:contentTypeDescription="Create a new document." ma:contentTypeScope="" ma:versionID="3affd054ba839b30da73ab9b0cd67fe0">
   <xsd:schema xmlns:xsd="http://www.w3.org/2001/XMLSchema" xmlns:xs="http://www.w3.org/2001/XMLSchema" xmlns:p="http://schemas.microsoft.com/office/2006/metadata/properties" targetNamespace="http://schemas.microsoft.com/office/2006/metadata/properties" ma:root="true" ma:fieldsID="e10a0a5e1e724a4b2c6304ae1e799d89">
     <xsd:element name="properties">
@@ -4814,6 +4713,15 @@
 </ct:contentTypeSchema>
 </file>
 
+<file path=customXml/item2.xml><?xml version="1.0" encoding="utf-8"?>
+<?mso-contentType ?>
+<FormTemplates xmlns="http://schemas.microsoft.com/sharepoint/v3/contenttype/forms">
+  <Display>DocumentLibraryForm</Display>
+  <Edit>DocumentLibraryForm</Edit>
+  <New>DocumentLibraryForm</New>
+</FormTemplates>
+</file>
+
 <file path=customXml/item3.xml><?xml version="1.0" encoding="utf-8"?>
 <p:properties xmlns:p="http://schemas.microsoft.com/office/2006/metadata/properties" xmlns:xsi="http://www.w3.org/2001/XMLSchema-instance" xmlns:pc="http://schemas.microsoft.com/office/infopath/2007/PartnerControls">
   <documentManagement/>
@@ -4821,14 +4729,6 @@
 </file>
 
 <file path=customXml/itemProps1.xml><?xml version="1.0" encoding="utf-8"?>
-<ds:datastoreItem xmlns:ds="http://schemas.openxmlformats.org/officeDocument/2006/customXml" ds:itemID="{7BC836F9-AC6E-4E5A-ABA8-0AF1AF715A0D}">
-  <ds:schemaRefs>
-    <ds:schemaRef ds:uri="http://schemas.microsoft.com/sharepoint/v3/contenttype/forms"/>
-  </ds:schemaRefs>
-</ds:datastoreItem>
-</file>
-
-<file path=customXml/itemProps2.xml><?xml version="1.0" encoding="utf-8"?>
 <ds:datastoreItem xmlns:ds="http://schemas.openxmlformats.org/officeDocument/2006/customXml" ds:itemID="{F50F1994-0711-4D7D-BB4C-F75D4B491B1D}">
   <ds:schemaRefs>
     <ds:schemaRef ds:uri="http://purl.org/dc/elements/1.1/"/>
@@ -4840,6 +4740,14 @@
     <ds:schemaRef ds:uri="http://schemas.microsoft.com/office/infopath/2007/PartnerControls"/>
     <ds:schemaRef ds:uri="http://schemas.openxmlformats.org/package/2006/metadata/core-properties"/>
     <ds:schemaRef ds:uri="http://www.w3.org/2001/XMLSchema"/>
+  </ds:schemaRefs>
+</ds:datastoreItem>
+</file>
+
+<file path=customXml/itemProps2.xml><?xml version="1.0" encoding="utf-8"?>
+<ds:datastoreItem xmlns:ds="http://schemas.openxmlformats.org/officeDocument/2006/customXml" ds:itemID="{7BC836F9-AC6E-4E5A-ABA8-0AF1AF715A0D}">
+  <ds:schemaRefs>
+    <ds:schemaRef ds:uri="http://schemas.microsoft.com/sharepoint/v3/contenttype/forms"/>
   </ds:schemaRefs>
 </ds:datastoreItem>
 </file>

--- a/documents/analytics-service.pptx
+++ b/documents/analytics-service.pptx
@@ -2994,22 +2994,13 @@
           <a:lstStyle/>
           <a:p>
             <a:r>
-              <a:rPr lang="en-US" sz="4400" b="1">
-                <a:solidFill>
-                  <a:schemeClr val="bg1"/>
-                </a:solidFill>
-                <a:latin typeface="ITC Franklin Gothic Std Demi Condensed"/>
-              </a:rPr>
-              <a:t>Hybrid </a:t>
-            </a:r>
-            <a:r>
               <a:rPr lang="en-US" sz="4400" b="1" dirty="0">
                 <a:solidFill>
                   <a:schemeClr val="bg1"/>
                 </a:solidFill>
                 <a:latin typeface="ITC Franklin Gothic Std Demi Condensed"/>
               </a:rPr>
-              <a:t>Multi-Cloud Analytics Services Framework</a:t>
+              <a:t>Hybrid Multi-Cloud Analytics Services Framework</a:t>
             </a:r>
             <a:endParaRPr lang="en-US" sz="4400" dirty="0">
               <a:solidFill>
@@ -3100,50 +3091,36 @@
                 <a:ea typeface="+mn-lt"/>
                 <a:cs typeface="+mn-lt"/>
               </a:rPr>
-              <a:t>, JP Fleischer</a:t>
+              <a:t>, </a:t>
+            </a:r>
+            <a:r>
+              <a:rPr lang="en-US" sz="2100" b="1" i="0" dirty="0">
+                <a:solidFill>
+                  <a:srgbClr val="333333"/>
+                </a:solidFill>
+                <a:effectLst/>
+                <a:latin typeface="Helvetica" pitchFamily="2" charset="0"/>
+              </a:rPr>
+              <a:t>Jacques </a:t>
+            </a:r>
+            <a:r>
+              <a:rPr lang="en-US" sz="2100" b="1" dirty="0">
+                <a:ea typeface="+mn-lt"/>
+                <a:cs typeface="+mn-lt"/>
+              </a:rPr>
+              <a:t>P. Fleischer</a:t>
             </a:r>
             <a:r>
               <a:rPr lang="en-US" sz="2100" b="1" baseline="30000" dirty="0">
                 <a:ea typeface="+mn-lt"/>
                 <a:cs typeface="+mn-lt"/>
               </a:rPr>
-              <a:t>1   </a:t>
-            </a:r>
-            <a:r>
-              <a:rPr lang="en-US" sz="1600" b="1" baseline="30000" dirty="0">
-                <a:ea typeface="+mn-lt"/>
-                <a:cs typeface="+mn-lt"/>
-              </a:rPr>
-              <a:t>  </a:t>
-            </a:r>
-            <a:r>
-              <a:rPr lang="en-US" sz="1600" dirty="0">
-                <a:ea typeface="+mn-lt"/>
-                <a:cs typeface="+mn-lt"/>
-              </a:rPr>
-              <a:t>with contributions to the pre-alpha version from </a:t>
-            </a:r>
-            <a:r>
-              <a:rPr lang="en-US" sz="1600" i="1" dirty="0">
-                <a:ea typeface="+mn-lt"/>
-                <a:cs typeface="+mn-lt"/>
-              </a:rPr>
-              <a:t>Jackson </a:t>
-            </a:r>
-            <a:r>
-              <a:rPr lang="en-US" sz="1600" i="1" dirty="0" err="1">
-                <a:ea typeface="+mn-lt"/>
-                <a:cs typeface="+mn-lt"/>
-              </a:rPr>
-              <a:t>Miskill</a:t>
-            </a:r>
-            <a:r>
-              <a:rPr lang="en-US" sz="1600" i="1" dirty="0">
-                <a:ea typeface="+mn-lt"/>
-                <a:cs typeface="+mn-lt"/>
-              </a:rPr>
-              <a:t>, Alison Lu, Alex Beck</a:t>
-            </a:r>
+              <a:t>1</a:t>
+            </a:r>
+            <a:endParaRPr lang="en-US" sz="1600" i="1" dirty="0">
+              <a:ea typeface="+mn-lt"/>
+              <a:cs typeface="+mn-lt"/>
+            </a:endParaRPr>
           </a:p>
           <a:p>
             <a:r>
@@ -3165,8 +3142,8 @@
         </p:nvSpPr>
         <p:spPr>
           <a:xfrm>
-            <a:off x="253574" y="4585341"/>
-            <a:ext cx="9643084" cy="4924425"/>
+            <a:off x="270000" y="4505274"/>
+            <a:ext cx="9895630" cy="8934605"/>
           </a:xfrm>
           <a:prstGeom prst="rect">
             <a:avLst/>
@@ -3180,9 +3157,11 @@
           <a:lstStyle/>
           <a:p>
             <a:r>
-              <a:rPr lang="en-US" sz="2800" b="1" dirty="0">
+              <a:rPr lang="en-US" sz="2200" b="1" u="sng" dirty="0">
                 <a:solidFill>
-                  <a:srgbClr val="20304B"/>
+                  <a:schemeClr val="accent1">
+                    <a:lumMod val="50000"/>
+                  </a:schemeClr>
                 </a:solidFill>
                 <a:latin typeface="Franklin Gothic"/>
                 <a:ea typeface="ITC Franklin Gothic Std Demi" charset="0"/>
@@ -3193,29 +3172,17 @@
           </a:p>
           <a:p>
             <a:r>
-              <a:rPr lang="en-US" sz="2200" b="1" dirty="0">
-                <a:solidFill>
-                  <a:srgbClr val="3A4860"/>
-                </a:solidFill>
-                <a:latin typeface="Franklin Gothic Book"/>
-                <a:ea typeface="Franklin Gothic Book" charset="0"/>
-                <a:cs typeface="Franklin Gothic Book" charset="0"/>
-              </a:rPr>
-              <a:t>High performance computing (HPC) has recently become a very important part of science. Through processing on a supercomputer, programs can run at previously unobtainable high speeds. HPC is typically used for analytic programs that use large data sets and machine learning to predict future values or to model current states. </a:t>
-            </a:r>
-          </a:p>
-          <a:p>
-            <a:r>
-              <a:rPr lang="en-US" sz="2200" b="1" dirty="0">
-                <a:solidFill>
-                  <a:srgbClr val="20304B"/>
-                </a:solidFill>
-                <a:latin typeface="Franklin Gothic Book"/>
-                <a:ea typeface="Franklin Gothic Book" charset="0"/>
-                <a:cs typeface="Franklin Gothic Book" charset="0"/>
-              </a:rPr>
-              <a:t>For such high-complexity projects, there are often multiple complex programs that may be ran several times for higher performance, like in deep learning algorithms.  With such projects, program execution is submitted as a job to a typically remote HPC centers such as UVA's Rivanna, where time is billed as node-hours. It is necessary for such projects to have a service that lets the user manage and execute without supervision. We have created a service that lets the user run jobs across multiple platforms in a dynamic queue with visualization and data storage.</a:t>
-            </a:r>
+              <a:rPr lang="en-US" sz="2200" dirty="0"/>
+              <a:t>High-performance computing (HPC) is for decades a very important tool for science. Scientific applications often consist of multiple tasks/jobs can be leveraging the processing power of requiring considerable computational needs. Often a supercomputer is needed to execute the tasks at high speeds while utilizing the specialized hardware for acceleration that otherwise are not available to the user. However, these systems can be difficult to use when conducting analytic programs that leverage machine learning applied to large data sets to, for example, predict future values or model current states. For such highly complex analytics tasks, there are often multiple steps that need to be run repeatedly either to combine analytics tasks in competition or cooperation to achieve the best results. Although leveraging computational GPUs lead to several times higher performance when applied to deep learning algorithms, may be not possible at the time as the resources are either too expensive or simply not available. The analytics task is to simplify this dilemma and introduce a level of abstraction that focuses on the analytics task while at the same time allowing sophisticated compute resources to solve the task for the scientist in the background. Hence, the scientist should be presented with a function call that automatically puts together the needed resources and stage the task in jobs on the HPC environment without the need of too many details of the HPC environment. Instead, the science user should access analytics REST services that the user can easily integrate into their scientific code as functions or services. To facilitate the need to coordinate the many tasks behind such an abstraction we have developed a specialized analytics Workflow abstraction and service allowing the execution of multiple analytics tasks in a parallel workflow, The workflow can be controlled by the user and is asynchronously executed including the possibility to utilize multiple HPC computing centers via user-controlled services.</a:t>
+            </a:r>
+            <a:endParaRPr lang="en-US" sz="2200" b="1" dirty="0">
+              <a:solidFill>
+                <a:srgbClr val="20304B"/>
+              </a:solidFill>
+              <a:latin typeface="Franklin Gothic Book"/>
+              <a:ea typeface="Franklin Gothic Book" charset="0"/>
+              <a:cs typeface="Franklin Gothic Book" charset="0"/>
+            </a:endParaRPr>
           </a:p>
         </p:txBody>
       </p:sp>
@@ -3368,7 +3335,7 @@
         </p:nvSpPr>
         <p:spPr>
           <a:xfrm>
-            <a:off x="30613" y="24273248"/>
+            <a:off x="30614" y="25332760"/>
             <a:ext cx="4835100" cy="769441"/>
           </a:xfrm>
           <a:prstGeom prst="rect">
@@ -3429,7 +3396,7 @@
         </p:nvSpPr>
         <p:spPr>
           <a:xfrm>
-            <a:off x="4967416" y="24305113"/>
+            <a:off x="4967417" y="25364625"/>
             <a:ext cx="5198214" cy="769441"/>
           </a:xfrm>
           <a:prstGeom prst="rect">
@@ -3490,400 +3457,6 @@
       </p:sp>
       <p:sp>
         <p:nvSpPr>
-          <p:cNvPr id="4" name="TextBox 3">
-            <a:extLst>
-              <a:ext uri="{FF2B5EF4-FFF2-40B4-BE49-F238E27FC236}">
-                <a16:creationId xmlns:a16="http://schemas.microsoft.com/office/drawing/2014/main" id="{F9AC6536-7268-3940-6D38-207BD48A0801}"/>
-              </a:ext>
-            </a:extLst>
-          </p:cNvPr>
-          <p:cNvSpPr txBox="1"/>
-          <p:nvPr/>
-        </p:nvSpPr>
-        <p:spPr>
-          <a:xfrm>
-            <a:off x="253574" y="9731714"/>
-            <a:ext cx="9321582" cy="10002738"/>
-          </a:xfrm>
-          <a:prstGeom prst="rect">
-            <a:avLst/>
-          </a:prstGeom>
-          <a:noFill/>
-        </p:spPr>
-        <p:txBody>
-          <a:bodyPr wrap="square" lIns="91440" tIns="45720" rIns="91440" bIns="45720" rtlCol="0" anchor="t">
-            <a:spAutoFit/>
-          </a:bodyPr>
-          <a:lstStyle/>
-          <a:p>
-            <a:r>
-              <a:rPr lang="en-US" sz="2800" b="1" dirty="0">
-                <a:solidFill>
-                  <a:srgbClr val="3A4860"/>
-                </a:solidFill>
-                <a:latin typeface="Franklin Gothic"/>
-              </a:rPr>
-              <a:t>Current Work</a:t>
-            </a:r>
-          </a:p>
-          <a:p>
-            <a:r>
-              <a:rPr lang="en-US" sz="2200" b="1" dirty="0">
-                <a:solidFill>
-                  <a:srgbClr val="3A4860"/>
-                </a:solidFill>
-                <a:latin typeface="Franklin Gothic Book"/>
-                <a:ea typeface="+mn-lt"/>
-                <a:cs typeface="+mn-lt"/>
-              </a:rPr>
-              <a:t>This software was developed using </a:t>
-            </a:r>
-            <a:r>
-              <a:rPr lang="en-US" sz="2200" b="1" dirty="0" err="1">
-                <a:solidFill>
-                  <a:srgbClr val="3A4860"/>
-                </a:solidFill>
-                <a:latin typeface="Franklin Gothic Book"/>
-                <a:ea typeface="+mn-lt"/>
-                <a:cs typeface="+mn-lt"/>
-              </a:rPr>
-              <a:t>Cloudmesh</a:t>
-            </a:r>
-            <a:r>
-              <a:rPr lang="en-US" sz="2200" b="1" dirty="0">
-                <a:solidFill>
-                  <a:srgbClr val="3A4860"/>
-                </a:solidFill>
-                <a:latin typeface="Franklin Gothic Book"/>
-                <a:ea typeface="+mn-lt"/>
-                <a:cs typeface="+mn-lt"/>
-              </a:rPr>
-              <a:t>, a repository that provides numerous methods of interfacing the local system with cloud services. Much of the software from the hybrid multi-cloud analytics service framework was developed from </a:t>
-            </a:r>
-            <a:r>
-              <a:rPr lang="en-US" sz="2200" b="1" dirty="0" err="1">
-                <a:solidFill>
-                  <a:srgbClr val="3A4860"/>
-                </a:solidFill>
-                <a:latin typeface="Franklin Gothic Book"/>
-                <a:ea typeface="+mn-lt"/>
-                <a:cs typeface="+mn-lt"/>
-              </a:rPr>
-              <a:t>Cloudmesh</a:t>
-            </a:r>
-            <a:r>
-              <a:rPr lang="en-US" sz="2200" b="1" dirty="0">
-                <a:solidFill>
-                  <a:srgbClr val="3A4860"/>
-                </a:solidFill>
-                <a:latin typeface="Franklin Gothic Book"/>
-                <a:ea typeface="+mn-lt"/>
-                <a:cs typeface="+mn-lt"/>
-              </a:rPr>
-              <a:t> repositories.</a:t>
-            </a:r>
-            <a:endParaRPr lang="en-US" sz="2200" dirty="0">
-              <a:solidFill>
-                <a:srgbClr val="3A4860"/>
-              </a:solidFill>
-              <a:ea typeface="+mn-lt"/>
-              <a:cs typeface="+mn-lt"/>
-            </a:endParaRPr>
-          </a:p>
-          <a:p>
-            <a:r>
-              <a:rPr lang="en-US" sz="2200" b="1" dirty="0">
-                <a:solidFill>
-                  <a:srgbClr val="3A4860"/>
-                </a:solidFill>
-                <a:latin typeface="Franklin Gothic"/>
-                <a:ea typeface="+mn-lt"/>
-                <a:cs typeface="+mn-lt"/>
-              </a:rPr>
-              <a:t>Workflow</a:t>
-            </a:r>
-          </a:p>
-          <a:p>
-            <a:pPr marL="342900" indent="-342900">
-              <a:buFont typeface="Arial"/>
-              <a:buChar char="•"/>
-            </a:pPr>
-            <a:r>
-              <a:rPr lang="en-US" sz="2200" b="1" dirty="0">
-                <a:solidFill>
-                  <a:srgbClr val="3A4860"/>
-                </a:solidFill>
-                <a:latin typeface="Franklin Gothic Book"/>
-                <a:ea typeface="+mn-lt"/>
-                <a:cs typeface="+mn-lt"/>
-              </a:rPr>
-              <a:t>A hybrid multi-cloud analytics service framework was created to manage heterogeneous and remote workflows, queues, and jobs.</a:t>
-            </a:r>
-          </a:p>
-          <a:p>
-            <a:pPr marL="342900" indent="-342900">
-              <a:buFont typeface="Arial"/>
-              <a:buChar char="•"/>
-            </a:pPr>
-            <a:r>
-              <a:rPr lang="en-US" sz="2200" b="1" dirty="0">
-                <a:solidFill>
-                  <a:srgbClr val="3A4860"/>
-                </a:solidFill>
-                <a:latin typeface="Franklin Gothic Book"/>
-                <a:ea typeface="+mn-lt"/>
-                <a:cs typeface="+mn-lt"/>
-              </a:rPr>
-              <a:t>It was designed for access through both the command line and browser GUI REST services to simplify the coordination of tasks on remote computers.</a:t>
-            </a:r>
-            <a:endParaRPr lang="en-US" sz="2200" dirty="0">
-              <a:solidFill>
-                <a:srgbClr val="3A4860"/>
-              </a:solidFill>
-              <a:latin typeface="Calibri" panose="020F0502020204030204"/>
-              <a:ea typeface="+mn-lt"/>
-              <a:cs typeface="+mn-lt"/>
-            </a:endParaRPr>
-          </a:p>
-          <a:p>
-            <a:pPr marL="342900" indent="-342900">
-              <a:buFont typeface="Arial"/>
-              <a:buChar char="•"/>
-            </a:pPr>
-            <a:r>
-              <a:rPr lang="en-US" sz="2200" b="1" dirty="0">
-                <a:solidFill>
-                  <a:srgbClr val="3A4860"/>
-                </a:solidFill>
-                <a:latin typeface="Franklin Gothic Book"/>
-                <a:ea typeface="+mn-lt"/>
-                <a:cs typeface="+mn-lt"/>
-              </a:rPr>
-              <a:t>In addition, this service supports multiple operating systems like MacOS, Linux, and Windows 10 and 11, on various hosts: the computer's localhost, remote computers, and the Linux-based virtual image WSL.</a:t>
-            </a:r>
-            <a:endParaRPr lang="en-US" sz="5150" dirty="0">
-              <a:solidFill>
-                <a:srgbClr val="3A4860"/>
-              </a:solidFill>
-              <a:latin typeface="Calibri" panose="020F0502020204030204"/>
-              <a:ea typeface="+mn-lt"/>
-              <a:cs typeface="+mn-lt"/>
-            </a:endParaRPr>
-          </a:p>
-          <a:p>
-            <a:pPr marL="342900" indent="-342900">
-              <a:buFont typeface="Arial"/>
-              <a:buChar char="•"/>
-            </a:pPr>
-            <a:r>
-              <a:rPr lang="en-US" sz="2200" b="1" dirty="0">
-                <a:solidFill>
-                  <a:srgbClr val="3A4860"/>
-                </a:solidFill>
-                <a:latin typeface="Franklin Gothic Book"/>
-                <a:ea typeface="+mn-lt"/>
-                <a:cs typeface="+mn-lt"/>
-              </a:rPr>
-              <a:t>Jobs can be visualized and saved as a YAML and SVG data file. </a:t>
-            </a:r>
-            <a:endParaRPr lang="en-US" sz="5150" dirty="0">
-              <a:solidFill>
-                <a:srgbClr val="3A4860"/>
-              </a:solidFill>
-              <a:latin typeface="Calibri" panose="020F0502020204030204"/>
-              <a:ea typeface="+mn-lt"/>
-              <a:cs typeface="+mn-lt"/>
-            </a:endParaRPr>
-          </a:p>
-          <a:p>
-            <a:pPr marL="342900" indent="-342900">
-              <a:buFont typeface="Arial"/>
-              <a:buChar char="•"/>
-            </a:pPr>
-            <a:r>
-              <a:rPr lang="en-US" sz="2200" b="1" dirty="0">
-                <a:solidFill>
-                  <a:srgbClr val="3A4860"/>
-                </a:solidFill>
-                <a:latin typeface="Franklin Gothic Book"/>
-                <a:cs typeface="Calibri"/>
-              </a:rPr>
-              <a:t>This workflow was extensively tested for functionality and reproducibility.</a:t>
-            </a:r>
-            <a:endParaRPr lang="en-US" sz="2200" dirty="0">
-              <a:solidFill>
-                <a:srgbClr val="3A4860"/>
-              </a:solidFill>
-              <a:ea typeface="+mn-lt"/>
-              <a:cs typeface="+mn-lt"/>
-            </a:endParaRPr>
-          </a:p>
-          <a:p>
-            <a:r>
-              <a:rPr lang="en-US" sz="2200" b="1" dirty="0">
-                <a:solidFill>
-                  <a:srgbClr val="3A4860"/>
-                </a:solidFill>
-                <a:latin typeface="Franklin Gothic"/>
-                <a:cs typeface="Calibri"/>
-              </a:rPr>
-              <a:t>MNIST</a:t>
-            </a:r>
-          </a:p>
-          <a:p>
-            <a:pPr marL="342900" indent="-342900">
-              <a:buFont typeface="Arial"/>
-              <a:buChar char="•"/>
-            </a:pPr>
-            <a:r>
-              <a:rPr lang="en-US" sz="2200" b="1" dirty="0">
-                <a:solidFill>
-                  <a:srgbClr val="3A4860"/>
-                </a:solidFill>
-                <a:latin typeface="Franklin Gothic Book"/>
-                <a:cs typeface="Calibri"/>
-              </a:rPr>
-              <a:t>The Modified National Institute of Standards and Technology Database is a machine learning database based on image processing</a:t>
-            </a:r>
-          </a:p>
-          <a:p>
-            <a:pPr marL="342900" indent="-342900">
-              <a:buFont typeface="Arial"/>
-              <a:buChar char="•"/>
-            </a:pPr>
-            <a:r>
-              <a:rPr lang="en-US" sz="2200" b="1" dirty="0">
-                <a:solidFill>
-                  <a:srgbClr val="3A4860"/>
-                </a:solidFill>
-                <a:latin typeface="Franklin Gothic Book"/>
-                <a:cs typeface="Calibri"/>
-              </a:rPr>
-              <a:t>Various MNIST files involving different machine learning cases were modified and tested on various local and remote machines</a:t>
-            </a:r>
-            <a:endParaRPr lang="en-US" sz="5150" b="1" dirty="0">
-              <a:solidFill>
-                <a:srgbClr val="3A4860"/>
-              </a:solidFill>
-              <a:latin typeface="Franklin Gothic Book"/>
-              <a:cs typeface="Calibri"/>
-            </a:endParaRPr>
-          </a:p>
-          <a:p>
-            <a:pPr marL="342900" indent="-342900">
-              <a:buFont typeface="Arial"/>
-              <a:buChar char="•"/>
-            </a:pPr>
-            <a:r>
-              <a:rPr lang="en-US" sz="2200" b="1" dirty="0">
-                <a:solidFill>
-                  <a:srgbClr val="3A4860"/>
-                </a:solidFill>
-                <a:latin typeface="Franklin Gothic Book"/>
-                <a:cs typeface="Calibri"/>
-              </a:rPr>
-              <a:t>These cases include </a:t>
-            </a:r>
-            <a:r>
-              <a:rPr lang="en-US" sz="2200" b="1" dirty="0">
-                <a:solidFill>
-                  <a:srgbClr val="3A4860"/>
-                </a:solidFill>
-                <a:latin typeface="Franklin Gothic Book"/>
-                <a:ea typeface="+mn-lt"/>
-                <a:cs typeface="+mn-lt"/>
-              </a:rPr>
-              <a:t>Multilayer Perceptron, LSTM (Long short-term memory), Auto-Encoder, Convolutional &amp; Recurrent Neural Networks, Distributed Training, and </a:t>
-            </a:r>
-            <a:r>
-              <a:rPr lang="en-US" sz="2200" b="1" dirty="0" err="1">
-                <a:solidFill>
-                  <a:srgbClr val="3A4860"/>
-                </a:solidFill>
-                <a:latin typeface="Franklin Gothic Book"/>
-                <a:ea typeface="+mn-lt"/>
-                <a:cs typeface="+mn-lt"/>
-              </a:rPr>
-              <a:t>PyTorch</a:t>
-            </a:r>
-            <a:r>
-              <a:rPr lang="en-US" sz="2200" b="1" dirty="0">
-                <a:solidFill>
-                  <a:srgbClr val="3A4860"/>
-                </a:solidFill>
-                <a:latin typeface="Franklin Gothic Book"/>
-                <a:ea typeface="+mn-lt"/>
-                <a:cs typeface="+mn-lt"/>
-              </a:rPr>
-              <a:t> training</a:t>
-            </a:r>
-            <a:endParaRPr lang="en-US" sz="5150" b="1" dirty="0">
-              <a:solidFill>
-                <a:srgbClr val="3A4860"/>
-              </a:solidFill>
-              <a:latin typeface="Franklin Gothic Book"/>
-            </a:endParaRPr>
-          </a:p>
-          <a:p>
-            <a:pPr marL="342900" indent="-342900">
-              <a:buFont typeface="Arial"/>
-              <a:buChar char="•"/>
-            </a:pPr>
-            <a:endParaRPr lang="en-US" sz="2200" b="1" dirty="0">
-              <a:solidFill>
-                <a:srgbClr val="3A4860"/>
-              </a:solidFill>
-              <a:latin typeface="Franklin Gothic Book"/>
-              <a:cs typeface="Calibri"/>
-            </a:endParaRPr>
-          </a:p>
-          <a:p>
-            <a:pPr marL="342900" indent="-342900">
-              <a:buFont typeface="Arial"/>
-              <a:buChar char="•"/>
-            </a:pPr>
-            <a:endParaRPr lang="en-US" sz="2200" b="1" dirty="0">
-              <a:solidFill>
-                <a:srgbClr val="3A4860"/>
-              </a:solidFill>
-              <a:latin typeface="Franklin Gothic Book"/>
-              <a:cs typeface="Calibri"/>
-            </a:endParaRPr>
-          </a:p>
-          <a:p>
-            <a:endParaRPr lang="en-US" sz="2200" b="1" dirty="0">
-              <a:solidFill>
-                <a:srgbClr val="3A4860"/>
-              </a:solidFill>
-              <a:latin typeface="Franklin Gothic Book"/>
-              <a:ea typeface="Franklin Gothic Book" charset="0"/>
-              <a:cs typeface="Calibri"/>
-            </a:endParaRPr>
-          </a:p>
-          <a:p>
-            <a:endParaRPr lang="en-US" sz="2200" dirty="0">
-              <a:solidFill>
-                <a:srgbClr val="3A4860"/>
-              </a:solidFill>
-              <a:latin typeface="Franklin Gothic Book"/>
-              <a:ea typeface="Franklin Gothic Book" charset="0"/>
-              <a:cs typeface="Franklin Gothic Book" charset="0"/>
-            </a:endParaRPr>
-          </a:p>
-          <a:p>
-            <a:endParaRPr lang="en-US" sz="2200" dirty="0">
-              <a:solidFill>
-                <a:srgbClr val="3A4860"/>
-              </a:solidFill>
-              <a:latin typeface="Franklin Gothic Book" charset="0"/>
-              <a:ea typeface="Franklin Gothic Book" charset="0"/>
-              <a:cs typeface="Franklin Gothic Book" charset="0"/>
-            </a:endParaRPr>
-          </a:p>
-        </p:txBody>
-      </p:sp>
-      <p:sp>
-        <p:nvSpPr>
           <p:cNvPr id="3" name="TextBox 2">
             <a:extLst>
               <a:ext uri="{FF2B5EF4-FFF2-40B4-BE49-F238E27FC236}">
@@ -3897,7 +3470,7 @@
         <p:spPr>
           <a:xfrm>
             <a:off x="10810471" y="13909111"/>
-            <a:ext cx="10748417" cy="10341293"/>
+            <a:ext cx="10748417" cy="9233297"/>
           </a:xfrm>
           <a:prstGeom prst="rect">
             <a:avLst/>
@@ -3911,9 +3484,11 @@
           <a:lstStyle/>
           <a:p>
             <a:r>
-              <a:rPr lang="en-US" sz="2800" b="1" dirty="0">
+              <a:rPr lang="en-US" sz="2200" b="1" u="sng" dirty="0">
                 <a:solidFill>
-                  <a:srgbClr val="3A4860"/>
+                  <a:schemeClr val="accent1">
+                    <a:lumMod val="50000"/>
+                  </a:schemeClr>
                 </a:solidFill>
                 <a:latin typeface="Franklin Gothic"/>
                 <a:ea typeface="+mn-lt"/>
@@ -3924,129 +3499,46 @@
           </a:p>
           <a:p>
             <a:r>
-              <a:rPr lang="en-US" sz="2200" b="1" dirty="0">
-                <a:solidFill>
-                  <a:srgbClr val="3A4860"/>
-                </a:solidFill>
-                <a:latin typeface="Franklin Gothic Book"/>
-                <a:ea typeface="+mn-lt"/>
-                <a:cs typeface="+mn-lt"/>
-              </a:rPr>
-              <a:t>The hybrid multi-cloud analytics service framework was created to ensure the optimal user experience for running jobs across many platforms. From the bottom up, there are a plethora of Python objects that were created to ensure execution of the jobs. These are the database, job, graph, and workflow objects along with the frontend service itself. The databases that were produced relied on a previously implemented service called </a:t>
-            </a:r>
-            <a:r>
-              <a:rPr lang="en-US" sz="2200" b="1" dirty="0" err="1">
-                <a:solidFill>
-                  <a:srgbClr val="3A4860"/>
-                </a:solidFill>
-                <a:latin typeface="Franklin Gothic Book"/>
-                <a:ea typeface="+mn-lt"/>
-                <a:cs typeface="+mn-lt"/>
-              </a:rPr>
-              <a:t>YamlDB</a:t>
-            </a:r>
-            <a:r>
-              <a:rPr lang="en-US" sz="2200" b="1" dirty="0">
-                <a:solidFill>
-                  <a:srgbClr val="3A4860"/>
-                </a:solidFill>
-                <a:latin typeface="Franklin Gothic Book"/>
-                <a:ea typeface="+mn-lt"/>
-                <a:cs typeface="+mn-lt"/>
-              </a:rPr>
-              <a:t>: it allows for persistent storage of data that users can call upon at the time of their choosing, rather than simply storing in a machine's memory. Therefore, when the jobs are run, the updated status and progress fields of the job are saved. These saved values can then be used to create graphical visuals as desired. Next, job objects were created so that programs could be run on different machines. These objects allow the users to be able to execute their jobs on different machines. For instance, we have a local job, a WSL job, a </a:t>
-            </a:r>
-            <a:r>
-              <a:rPr lang="en-US" sz="2200" b="1" dirty="0" err="1">
-                <a:solidFill>
-                  <a:srgbClr val="3A4860"/>
-                </a:solidFill>
-                <a:latin typeface="Franklin Gothic Book"/>
-                <a:ea typeface="+mn-lt"/>
-                <a:cs typeface="+mn-lt"/>
-              </a:rPr>
-              <a:t>Slurm</a:t>
-            </a:r>
-            <a:r>
-              <a:rPr lang="en-US" sz="2200" b="1" dirty="0">
-                <a:solidFill>
-                  <a:srgbClr val="3A4860"/>
-                </a:solidFill>
-                <a:latin typeface="Franklin Gothic Book"/>
-                <a:ea typeface="+mn-lt"/>
-                <a:cs typeface="+mn-lt"/>
-              </a:rPr>
-              <a:t> job, and an SSH job (which was primarily used for Rivanna). When a workflow is created, there is an internal structure that identifies the type of machine that is being operated on and creates the correct job based on that machine. After the job, a graph class was created to mesh with the workflow. The graph creates a node and edge graph with a corresponding visual representation of the graph. This was to allow the user to visualize where they are in the workflow. Next the workflow itself allows users to add jobs, remove jobs, add edges, and then run each of the jobs in the order that was specified. This allows the user to interact with each of the previous objects. Finally, the service itself is a </a:t>
-            </a:r>
-            <a:r>
-              <a:rPr lang="en-US" sz="2200" b="1" dirty="0" err="1">
-                <a:solidFill>
-                  <a:srgbClr val="3A4860"/>
-                </a:solidFill>
-                <a:latin typeface="Franklin Gothic Book"/>
-                <a:ea typeface="+mn-lt"/>
-                <a:cs typeface="+mn-lt"/>
-              </a:rPr>
-              <a:t>FastAPI</a:t>
-            </a:r>
-            <a:r>
-              <a:rPr lang="en-US" sz="2200" b="1" dirty="0">
-                <a:solidFill>
-                  <a:srgbClr val="3A4860"/>
-                </a:solidFill>
-                <a:latin typeface="Franklin Gothic Book"/>
-                <a:ea typeface="+mn-lt"/>
-                <a:cs typeface="+mn-lt"/>
-              </a:rPr>
-              <a:t> implementation of the workflow. Users can access this through their own devices, they can add, remove jobs, and run jobs through a graphical user interface. This interface can be run through command line commands as created in the </a:t>
-            </a:r>
-            <a:r>
-              <a:rPr lang="en-US" sz="2200" b="1" dirty="0" err="1">
-                <a:solidFill>
-                  <a:srgbClr val="3A4860"/>
-                </a:solidFill>
-                <a:latin typeface="Franklin Gothic Book"/>
-                <a:ea typeface="+mn-lt"/>
-                <a:cs typeface="+mn-lt"/>
-              </a:rPr>
-              <a:t>cloudmesh</a:t>
-            </a:r>
-            <a:r>
-              <a:rPr lang="en-US" sz="2200" b="1" dirty="0">
-                <a:solidFill>
-                  <a:srgbClr val="3A4860"/>
-                </a:solidFill>
-                <a:latin typeface="Franklin Gothic Book"/>
-                <a:ea typeface="+mn-lt"/>
-                <a:cs typeface="+mn-lt"/>
-              </a:rPr>
-              <a:t>-cc repository. </a:t>
+              <a:rPr lang="en-US" sz="2200" dirty="0"/>
+              <a:t>The hybrid multi-cloud analytics service framework ensures running jobs across many platforms. The design (see Fig. 3) includes a small and streamlined number of abstractions so that jobs and workflows can be represented easily. This makes it possible to custom design for each target type a specific job type so that execution on local and remote compute resources including batch operating systems can be achieved. Job types for localhost, </a:t>
+            </a:r>
+            <a:r>
+              <a:rPr lang="en-US" sz="2200" dirty="0" err="1"/>
+              <a:t>ssh</a:t>
+            </a:r>
+            <a:r>
+              <a:rPr lang="en-US" sz="2200" dirty="0"/>
+              <a:t>, SLURM, and WSL are available. Other job types can easily be added. The design is flexible and new job can be expanded as each job can contain arbitrary arguments. Through this flexibility jobs types can be also run on different operating systems including local job on Linux, macOS, Windows 10, and Windows 11, jobs running in WSL on Windows computers. An important design requirement to display the dependencies of the workflow in a direct acyclic</a:t>
             </a:r>
             <a:br>
-              <a:rPr lang="en-US" sz="2200" b="1" dirty="0">
-                <a:latin typeface="Franklin Gothic Book"/>
-                <a:ea typeface="+mn-lt"/>
-                <a:cs typeface="+mn-lt"/>
-              </a:rPr>
+              <a:rPr lang="en-US" sz="2200" dirty="0"/>
             </a:br>
+            <a:r>
+              <a:rPr lang="en-US" sz="2200" dirty="0"/>
+              <a:t>Graph is enabled. This greatly reduced the complexity of the implementation while being able to leverage graphical displays of the workflow, as well as implementing sequential execution of workflows as an alternative to parallel execution while using the build-in topological sort function. It serves as an example that custom schedulers can be designed and easily integrated into the runtime management while executing the tasks and jobs through a straightforward interface. The status of the tasks and jobs is stored in a file database that can be monitored during program execution. The creation of the jobs is done prior to the execution of the workflow, but additional tasks and jobs could be integrated also at runtime. This is possible when using our parallel scheduler that selects tasks and jobs once the parent jobs have been completed. This is important as it allows dynamic workflow execution of long-running workflows, while results from previous calculations can be used in</a:t>
+            </a:r>
             <a:br>
-              <a:rPr lang="en-US" sz="2200" b="1" dirty="0">
-                <a:latin typeface="Franklin Gothic Book"/>
-                <a:ea typeface="+mn-lt"/>
-                <a:cs typeface="+mn-lt"/>
-              </a:rPr>
+              <a:rPr lang="en-US" sz="2200" dirty="0"/>
             </a:br>
             <a:r>
-              <a:rPr lang="en-US" sz="2200" b="1" dirty="0">
-                <a:solidFill>
-                  <a:srgbClr val="3A4860"/>
-                </a:solidFill>
-                <a:latin typeface="Franklin Gothic Book"/>
-                <a:ea typeface="+mn-lt"/>
-                <a:cs typeface="+mn-lt"/>
-              </a:rPr>
-              <a:t>In summary, users interact with a graphical user interface to create workflows of jobs, which are scripts that run specific experiments. This graphical user interface shows users where their jobs are in the process of completion and create output files for each job. With this framework, researchers and scientists should be able to create jobs on their own, place them in the workflow, and run them on various types of computers. </a:t>
-            </a:r>
+              <a:rPr lang="en-US" sz="2200" dirty="0"/>
+              <a:t>later stages of the workflow and lead to workflow modifications. We have developed a simple-to-use Python API so programs are easy to write. Additionally, we used this API internally to implement a REST. An important feature that we added is the monitoring of the jobs while using progress reports through automated log file mining. This way each</a:t>
+            </a:r>
+            <a:br>
+              <a:rPr lang="en-US" sz="2200" dirty="0"/>
+            </a:br>
+            <a:r>
+              <a:rPr lang="en-US" sz="2200" dirty="0"/>
+              <a:t>job reports the progress during the execution. </a:t>
+            </a:r>
+            <a:endParaRPr lang="en-US" sz="2200" b="1" dirty="0">
+              <a:solidFill>
+                <a:srgbClr val="3A4860"/>
+              </a:solidFill>
+              <a:latin typeface="Franklin Gothic Book"/>
+              <a:ea typeface="+mn-lt"/>
+              <a:cs typeface="+mn-lt"/>
+            </a:endParaRPr>
           </a:p>
         </p:txBody>
       </p:sp>
@@ -4064,8 +3556,8 @@
         </p:nvSpPr>
         <p:spPr>
           <a:xfrm>
-            <a:off x="10810471" y="24797112"/>
-            <a:ext cx="10748416" cy="3662541"/>
+            <a:off x="10810471" y="24404594"/>
+            <a:ext cx="10748416" cy="1815882"/>
           </a:xfrm>
           <a:prstGeom prst="rect">
             <a:avLst/>
@@ -4082,32 +3574,19 @@
           <a:lstStyle/>
           <a:p>
             <a:r>
-              <a:rPr lang="en-US" sz="2400" b="1" dirty="0">
+              <a:rPr lang="en-US" sz="2400" b="1" u="sng" dirty="0">
                 <a:solidFill>
-                  <a:srgbClr val="3A4860"/>
+                  <a:schemeClr val="accent1">
+                    <a:lumMod val="50000"/>
+                  </a:schemeClr>
                 </a:solidFill>
                 <a:latin typeface="Franklin Gothic"/>
                 <a:ea typeface="+mn-lt"/>
                 <a:cs typeface="+mn-lt"/>
               </a:rPr>
-              <a:t>Future Work</a:t>
-            </a:r>
-          </a:p>
-          <a:p>
-            <a:r>
-              <a:rPr lang="en-US" sz="2400" dirty="0">
-                <a:solidFill>
-                  <a:srgbClr val="3A4860"/>
-                </a:solidFill>
-                <a:latin typeface="Franklin Gothic"/>
-                <a:ea typeface="+mn-lt"/>
-                <a:cs typeface="+mn-lt"/>
-              </a:rPr>
-              <a:t>The work conducted by the original student team was a pre-alpha prototype and focus was placed on educating the students in teamwork and python programming. In that prototype many design aspects that we set forward at the beginning of the project were not implemented. </a:t>
-            </a:r>
-          </a:p>
-          <a:p>
-            <a:endParaRPr lang="en-US" sz="2400" dirty="0">
+              <a:t>Status of the Work</a:t>
+            </a:r>
+            <a:endParaRPr lang="en-US" sz="2400" b="1" dirty="0">
               <a:solidFill>
                 <a:srgbClr val="3A4860"/>
               </a:solidFill>
@@ -4264,7 +3743,7 @@
         </p:blipFill>
         <p:spPr>
           <a:xfrm>
-            <a:off x="4835099" y="18683416"/>
+            <a:off x="4835100" y="19742928"/>
             <a:ext cx="5330531" cy="5412798"/>
           </a:xfrm>
           <a:prstGeom prst="rect">
@@ -4307,7 +3786,7 @@
         </p:blipFill>
         <p:spPr>
           <a:xfrm>
-            <a:off x="543697" y="18617514"/>
+            <a:off x="543698" y="19677026"/>
             <a:ext cx="3904735" cy="5478700"/>
           </a:xfrm>
           <a:prstGeom prst="rect">
@@ -4325,6 +3804,211 @@
           </a:sp3d>
         </p:spPr>
       </p:pic>
+      <p:sp>
+        <p:nvSpPr>
+          <p:cNvPr id="16" name="TextBox 15">
+            <a:extLst>
+              <a:ext uri="{FF2B5EF4-FFF2-40B4-BE49-F238E27FC236}">
+                <a16:creationId xmlns:a16="http://schemas.microsoft.com/office/drawing/2014/main" id="{5BC7A710-2C8F-0B11-A98B-346EAF40225B}"/>
+              </a:ext>
+            </a:extLst>
+          </p:cNvPr>
+          <p:cNvSpPr txBox="1"/>
+          <p:nvPr/>
+        </p:nvSpPr>
+        <p:spPr>
+          <a:xfrm>
+            <a:off x="10810471" y="26376702"/>
+            <a:ext cx="10748416" cy="2462213"/>
+          </a:xfrm>
+          <a:prstGeom prst="rect">
+            <a:avLst/>
+          </a:prstGeom>
+          <a:noFill/>
+        </p:spPr>
+        <p:txBody>
+          <a:bodyPr wrap="square" rtlCol="0">
+            <a:spAutoFit/>
+          </a:bodyPr>
+          <a:lstStyle/>
+          <a:p>
+            <a:r>
+              <a:rPr lang="en-US" sz="2200" b="1" u="sng" dirty="0">
+                <a:solidFill>
+                  <a:schemeClr val="accent1">
+                    <a:lumMod val="50000"/>
+                  </a:schemeClr>
+                </a:solidFill>
+                <a:ea typeface="+mn-lt"/>
+                <a:cs typeface="+mn-lt"/>
+              </a:rPr>
+              <a:t>Acknowledgement</a:t>
+            </a:r>
+          </a:p>
+          <a:p>
+            <a:r>
+              <a:rPr lang="en-US" sz="2200" dirty="0">
+                <a:solidFill>
+                  <a:srgbClr val="3A4860"/>
+                </a:solidFill>
+                <a:latin typeface="Franklin Gothic"/>
+                <a:ea typeface="+mn-lt"/>
+                <a:cs typeface="+mn-lt"/>
+              </a:rPr>
+              <a:t>We like to thank NSF and NIST for supporting this effort</a:t>
+            </a:r>
+            <a:endParaRPr lang="en-US" sz="2200" u="sng" dirty="0">
+              <a:solidFill>
+                <a:schemeClr val="accent1">
+                  <a:lumMod val="50000"/>
+                </a:schemeClr>
+              </a:solidFill>
+              <a:ea typeface="+mn-lt"/>
+              <a:cs typeface="+mn-lt"/>
+            </a:endParaRPr>
+          </a:p>
+          <a:p>
+            <a:r>
+              <a:rPr lang="en-US" sz="2200" dirty="0">
+                <a:ea typeface="+mn-lt"/>
+                <a:cs typeface="+mn-lt"/>
+              </a:rPr>
+              <a:t>In addition to the authors, the pre-alpha version contains contributions from Jackson </a:t>
+            </a:r>
+            <a:r>
+              <a:rPr lang="en-US" sz="2200" dirty="0" err="1">
+                <a:ea typeface="+mn-lt"/>
+                <a:cs typeface="+mn-lt"/>
+              </a:rPr>
+              <a:t>Miskill</a:t>
+            </a:r>
+            <a:r>
+              <a:rPr lang="en-US" sz="2200" dirty="0">
+                <a:ea typeface="+mn-lt"/>
+                <a:cs typeface="+mn-lt"/>
+              </a:rPr>
+              <a:t>, Alison Lu, Alex Beck. </a:t>
+            </a:r>
+            <a:r>
+              <a:rPr lang="en-US" sz="2200" dirty="0">
+                <a:solidFill>
+                  <a:srgbClr val="3A4860"/>
+                </a:solidFill>
+                <a:latin typeface="Franklin Gothic"/>
+                <a:ea typeface="+mn-lt"/>
+                <a:cs typeface="+mn-lt"/>
+              </a:rPr>
+              <a:t>The work conducted by the original student team was a pre-alpha prototype and focus was placed on educating the students in teamwork and python programming. In that prototype many design aspects that we set forward at the beginning of the project were not implemented. </a:t>
+            </a:r>
+            <a:endParaRPr lang="en-US" sz="2200" dirty="0"/>
+          </a:p>
+        </p:txBody>
+      </p:sp>
+      <p:sp>
+        <p:nvSpPr>
+          <p:cNvPr id="22" name="TextBox 21">
+            <a:extLst>
+              <a:ext uri="{FF2B5EF4-FFF2-40B4-BE49-F238E27FC236}">
+                <a16:creationId xmlns:a16="http://schemas.microsoft.com/office/drawing/2014/main" id="{AE66EC3B-2A82-C621-F507-B4FAF4C0862B}"/>
+              </a:ext>
+            </a:extLst>
+          </p:cNvPr>
+          <p:cNvSpPr txBox="1"/>
+          <p:nvPr/>
+        </p:nvSpPr>
+        <p:spPr>
+          <a:xfrm>
+            <a:off x="270001" y="13714380"/>
+            <a:ext cx="9895630" cy="5847755"/>
+          </a:xfrm>
+          <a:prstGeom prst="rect">
+            <a:avLst/>
+          </a:prstGeom>
+          <a:noFill/>
+        </p:spPr>
+        <p:txBody>
+          <a:bodyPr wrap="square" rtlCol="0">
+            <a:spAutoFit/>
+          </a:bodyPr>
+          <a:lstStyle/>
+          <a:p>
+            <a:r>
+              <a:rPr lang="en-US" sz="2200" b="1" u="sng" dirty="0">
+                <a:solidFill>
+                  <a:schemeClr val="accent1">
+                    <a:lumMod val="50000"/>
+                  </a:schemeClr>
+                </a:solidFill>
+                <a:effectLst/>
+              </a:rPr>
+              <a:t>Workflow Controlled Computing</a:t>
+            </a:r>
+            <a:br>
+              <a:rPr lang="en-US" sz="2200" dirty="0">
+                <a:solidFill>
+                  <a:srgbClr val="0000FF"/>
+                </a:solidFill>
+                <a:effectLst/>
+              </a:rPr>
+            </a:br>
+            <a:r>
+              <a:rPr lang="en-US" sz="2200" dirty="0"/>
+              <a:t>The </a:t>
+            </a:r>
+            <a:r>
+              <a:rPr lang="en-US" sz="2200" dirty="0" err="1"/>
+              <a:t>Cloudmesh</a:t>
+            </a:r>
+            <a:r>
+              <a:rPr lang="en-US" sz="2200" dirty="0"/>
+              <a:t> cc Workflow is enhancing </a:t>
+            </a:r>
+            <a:r>
+              <a:rPr lang="en-US" sz="2200" dirty="0" err="1"/>
+              <a:t>Cloudmesh</a:t>
+            </a:r>
+            <a:r>
+              <a:rPr lang="en-US" sz="2200" dirty="0"/>
+              <a:t> by integrating an API and service to make using cloud and HPC resources easier. The enhancement is focused on a library called </a:t>
+            </a:r>
+            <a:r>
+              <a:rPr lang="en-US" sz="2200" dirty="0" err="1"/>
+              <a:t>Cloudmesh</a:t>
+            </a:r>
+            <a:r>
+              <a:rPr lang="en-US" sz="2200" dirty="0"/>
+              <a:t> Controlled Computing (</a:t>
+            </a:r>
+            <a:r>
+              <a:rPr lang="en-US" sz="2200" dirty="0" err="1"/>
+              <a:t>cloudmesh</a:t>
+            </a:r>
+            <a:r>
+              <a:rPr lang="en-US" sz="2200" dirty="0"/>
+              <a:t>-cc) that adds workflow features to control the execution of tasks and jobs on remote compute resources including clouds, desktop computers, and batch-controlled HPC with and without GPUs. Effectively we access remote, and hybrid resources by integrating cloud, and on-premise resources. The goal is to provide an easy way to access these resources, while at the same time providing the ability to integrate the computational power enabled through a parallel workflow framework  Access to these complex resources is provided through easy to use interfaces such as a python API, REST services, and command line tools. Through these interfaces, the framework is universal and can be integrated into the science application or other higher level</a:t>
+            </a:r>
+            <a:br>
+              <a:rPr lang="en-US" sz="2200" dirty="0"/>
+            </a:br>
+            <a:r>
+              <a:rPr lang="en-US" sz="2200" dirty="0"/>
+              <a:t>frameworks and even different programming languages. The software developed is freely available and can easily be installed with standard python tools so integration in the python ecosystem using </a:t>
+            </a:r>
+            <a:r>
+              <a:rPr lang="en-US" sz="2200" dirty="0" err="1"/>
+              <a:t>virtualenv’s</a:t>
+            </a:r>
+            <a:r>
+              <a:rPr lang="en-US" sz="2200" dirty="0"/>
+              <a:t> and anaconda is simple.</a:t>
+            </a:r>
+            <a:br>
+              <a:rPr lang="en-US" sz="2200" dirty="0"/>
+            </a:br>
+            <a:endParaRPr lang="en-US" sz="2200" dirty="0"/>
+          </a:p>
+        </p:txBody>
+      </p:sp>
     </p:spTree>
     <p:extLst>
       <p:ext uri="{BB962C8B-B14F-4D97-AF65-F5344CB8AC3E}">

--- a/documents/analytics-service.pptx
+++ b/documents/analytics-service.pptx
@@ -3194,7 +3194,7 @@
         </p:nvSpPr>
         <p:spPr>
           <a:xfrm>
-            <a:off x="253574" y="26376702"/>
+            <a:off x="3580259" y="27888047"/>
             <a:ext cx="10353491" cy="2123658"/>
           </a:xfrm>
           <a:prstGeom prst="rect">
@@ -3208,17 +3208,6 @@
           </a:bodyPr>
           <a:lstStyle/>
           <a:p>
-            <a:r>
-              <a:rPr lang="en-US" sz="2400" b="1" dirty="0" err="1">
-                <a:solidFill>
-                  <a:srgbClr val="20304B"/>
-                </a:solidFill>
-                <a:latin typeface="ITC Franklin Gothic Std Demi" charset="0"/>
-                <a:ea typeface="ITC Franklin Gothic Std Demi" charset="0"/>
-                <a:cs typeface="ITC Franklin Gothic Std Demi" charset="0"/>
-              </a:rPr>
-              <a:t>Cloudmesh</a:t>
-            </a:r>
             <a:r>
               <a:rPr lang="en-US" sz="2400" b="1" dirty="0">
                 <a:solidFill>
@@ -3228,7 +3217,7 @@
                 <a:ea typeface="ITC Franklin Gothic Std Demi" charset="0"/>
                 <a:cs typeface="ITC Franklin Gothic Std Demi" charset="0"/>
               </a:rPr>
-              <a:t> References</a:t>
+              <a:t>References</a:t>
             </a:r>
           </a:p>
           <a:p>
@@ -3538,83 +3527,6 @@
               <a:latin typeface="Franklin Gothic Book"/>
               <a:ea typeface="+mn-lt"/>
               <a:cs typeface="+mn-lt"/>
-            </a:endParaRPr>
-          </a:p>
-        </p:txBody>
-      </p:sp>
-      <p:sp>
-        <p:nvSpPr>
-          <p:cNvPr id="12" name="TextBox 11">
-            <a:extLst>
-              <a:ext uri="{FF2B5EF4-FFF2-40B4-BE49-F238E27FC236}">
-                <a16:creationId xmlns:a16="http://schemas.microsoft.com/office/drawing/2014/main" id="{7D168A24-73E9-EFAE-8B46-2875103863E6}"/>
-              </a:ext>
-            </a:extLst>
-          </p:cNvPr>
-          <p:cNvSpPr txBox="1"/>
-          <p:nvPr/>
-        </p:nvSpPr>
-        <p:spPr>
-          <a:xfrm>
-            <a:off x="10810471" y="24404594"/>
-            <a:ext cx="10748416" cy="1815882"/>
-          </a:xfrm>
-          <a:prstGeom prst="rect">
-            <a:avLst/>
-          </a:prstGeom>
-          <a:noFill/>
-        </p:spPr>
-        <p:txBody>
-          <a:bodyPr rot="0" spcFirstLastPara="0" vertOverflow="overflow" horzOverflow="overflow" vert="horz" wrap="square" lIns="91440" tIns="45720" rIns="91440" bIns="45720" numCol="1" spcCol="0" rtlCol="0" fromWordArt="0" anchor="t" anchorCtr="0" forceAA="0" compatLnSpc="1">
-            <a:prstTxWarp prst="textNoShape">
-              <a:avLst/>
-            </a:prstTxWarp>
-            <a:spAutoFit/>
-          </a:bodyPr>
-          <a:lstStyle/>
-          <a:p>
-            <a:r>
-              <a:rPr lang="en-US" sz="2400" b="1" u="sng" dirty="0">
-                <a:solidFill>
-                  <a:schemeClr val="accent1">
-                    <a:lumMod val="50000"/>
-                  </a:schemeClr>
-                </a:solidFill>
-                <a:latin typeface="Franklin Gothic"/>
-                <a:ea typeface="+mn-lt"/>
-                <a:cs typeface="+mn-lt"/>
-              </a:rPr>
-              <a:t>Status of the Work</a:t>
-            </a:r>
-            <a:endParaRPr lang="en-US" sz="2400" b="1" dirty="0">
-              <a:solidFill>
-                <a:srgbClr val="3A4860"/>
-              </a:solidFill>
-              <a:latin typeface="Franklin Gothic"/>
-              <a:ea typeface="+mn-lt"/>
-              <a:cs typeface="+mn-lt"/>
-            </a:endParaRPr>
-          </a:p>
-          <a:p>
-            <a:r>
-              <a:rPr lang="en-US" sz="2200" b="1" dirty="0">
-                <a:solidFill>
-                  <a:srgbClr val="3A4860"/>
-                </a:solidFill>
-                <a:latin typeface="Franklin Gothic Book"/>
-                <a:ea typeface="+mn-lt"/>
-                <a:cs typeface="+mn-lt"/>
-              </a:rPr>
-              <a:t>A complete reimplementation that meets our design goals has since been delivered by Gregor von Laszewski and JP. Fleischer. This includes also significant updates  and corrections to this poster </a:t>
-            </a:r>
-          </a:p>
-          <a:p>
-            <a:endParaRPr lang="en-US" sz="2200" b="1" dirty="0">
-              <a:solidFill>
-                <a:srgbClr val="3A4860"/>
-              </a:solidFill>
-              <a:latin typeface="Franklin Gothic Book"/>
-              <a:cs typeface="Calibri"/>
             </a:endParaRPr>
           </a:p>
         </p:txBody>
@@ -3818,8 +3730,8 @@
         </p:nvSpPr>
         <p:spPr>
           <a:xfrm>
-            <a:off x="10810471" y="26376702"/>
-            <a:ext cx="10748416" cy="2462213"/>
+            <a:off x="10810471" y="23776290"/>
+            <a:ext cx="10748416" cy="3477875"/>
           </a:xfrm>
           <a:prstGeom prst="rect">
             <a:avLst/>
@@ -3855,25 +3767,27 @@
                 <a:ea typeface="+mn-lt"/>
                 <a:cs typeface="+mn-lt"/>
               </a:rPr>
-              <a:t>We like to thank NSF and NIST for supporting this effort</a:t>
-            </a:r>
-            <a:endParaRPr lang="en-US" sz="2200" u="sng" dirty="0">
-              <a:solidFill>
-                <a:schemeClr val="accent1">
-                  <a:lumMod val="50000"/>
-                </a:schemeClr>
-              </a:solidFill>
-              <a:ea typeface="+mn-lt"/>
-              <a:cs typeface="+mn-lt"/>
-            </a:endParaRPr>
-          </a:p>
-          <a:p>
+              <a:t>We like to thank NSF and NIST for supporting this effort.</a:t>
+            </a:r>
+            <a:r>
+              <a:rPr lang="en-US" sz="2200" dirty="0">
+                <a:solidFill>
+                  <a:schemeClr val="accent1">
+                    <a:lumMod val="50000"/>
+                  </a:schemeClr>
+                </a:solidFill>
+                <a:latin typeface="Franklin Gothic"/>
+                <a:ea typeface="+mn-lt"/>
+                <a:cs typeface="+mn-lt"/>
+              </a:rPr>
+              <a:t>  The </a:t>
+            </a:r>
             <a:r>
               <a:rPr lang="en-US" sz="2200" dirty="0">
                 <a:ea typeface="+mn-lt"/>
                 <a:cs typeface="+mn-lt"/>
               </a:rPr>
-              <a:t>In addition to the authors, the pre-alpha version contains contributions from Jackson </a:t>
+              <a:t>pre-alpha version of this effort contains contributions from Jackson </a:t>
             </a:r>
             <a:r>
               <a:rPr lang="en-US" sz="2200" dirty="0" err="1">
@@ -3900,6 +3814,19 @@
               </a:rPr>
               <a:t>The work conducted by the original student team was a pre-alpha prototype and focus was placed on educating the students in teamwork and python programming. In that prototype many design aspects that we set forward at the beginning of the project were not implemented. </a:t>
             </a:r>
+            <a:r>
+              <a:rPr lang="en-US" sz="2200" b="1" dirty="0">
+                <a:solidFill>
+                  <a:srgbClr val="3A4860"/>
+                </a:solidFill>
+                <a:latin typeface="Franklin Gothic Book"/>
+                <a:ea typeface="+mn-lt"/>
+                <a:cs typeface="+mn-lt"/>
+              </a:rPr>
+              <a:t>A complete reimplementation that meets our design goals has since been delivered by Gregor von Laszewski and JP. Fleischer. This includes also significant updates  and corrections to this poster </a:t>
+            </a:r>
+          </a:p>
+          <a:p>
             <a:endParaRPr lang="en-US" sz="2200" dirty="0"/>
           </a:p>
         </p:txBody>
